--- a/PresentationMYSQL_NAM.pptx
+++ b/PresentationMYSQL_NAM.pptx
@@ -5,7 +5,7 @@
     <p:sldMasterId id="2147483648" r:id="rId1"/>
   </p:sldMasterIdLst>
   <p:notesMasterIdLst>
-    <p:notesMasterId r:id="rId14"/>
+    <p:notesMasterId r:id="rId15"/>
   </p:notesMasterIdLst>
   <p:sldIdLst>
     <p:sldId id="256" r:id="rId2"/>
@@ -18,8 +18,9 @@
     <p:sldId id="263" r:id="rId9"/>
     <p:sldId id="264" r:id="rId10"/>
     <p:sldId id="265" r:id="rId11"/>
-    <p:sldId id="267" r:id="rId12"/>
-    <p:sldId id="268" r:id="rId13"/>
+    <p:sldId id="269" r:id="rId12"/>
+    <p:sldId id="267" r:id="rId13"/>
+    <p:sldId id="268" r:id="rId14"/>
   </p:sldIdLst>
   <p:sldSz cx="12192000" cy="6858000"/>
   <p:notesSz cx="6858000" cy="9144000"/>
@@ -8009,6 +8010,4295 @@
           <p:cNvPr id="2" name="Title 1">
             <a:extLst>
               <a:ext uri="{FF2B5EF4-FFF2-40B4-BE49-F238E27FC236}">
+                <a16:creationId xmlns:a16="http://schemas.microsoft.com/office/drawing/2014/main" id="{CE447FFF-4DEF-5723-00A4-91F9DB8ADBCD}"/>
+              </a:ext>
+            </a:extLst>
+          </p:cNvPr>
+          <p:cNvSpPr>
+            <a:spLocks noGrp="1"/>
+          </p:cNvSpPr>
+          <p:nvPr>
+            <p:ph type="title"/>
+          </p:nvPr>
+        </p:nvSpPr>
+        <p:spPr>
+          <a:xfrm>
+            <a:off x="838200" y="365125"/>
+            <a:ext cx="10515600" cy="762217"/>
+          </a:xfrm>
+        </p:spPr>
+        <p:txBody>
+          <a:bodyPr>
+            <a:normAutofit/>
+          </a:bodyPr>
+          <a:lstStyle/>
+          <a:p>
+            <a:r>
+              <a:rPr lang="en-ES" sz="2400" dirty="0"/>
+              <a:t>Q8: Create a new caracter for product.</a:t>
+            </a:r>
+          </a:p>
+        </p:txBody>
+      </p:sp>
+      <p:sp>
+        <p:nvSpPr>
+          <p:cNvPr id="3" name="Content Placeholder 2">
+            <a:extLst>
+              <a:ext uri="{FF2B5EF4-FFF2-40B4-BE49-F238E27FC236}">
+                <a16:creationId xmlns:a16="http://schemas.microsoft.com/office/drawing/2014/main" id="{AF415AFA-F1BA-1411-6DAF-ECD516E9D458}"/>
+              </a:ext>
+            </a:extLst>
+          </p:cNvPr>
+          <p:cNvSpPr>
+            <a:spLocks noGrp="1"/>
+          </p:cNvSpPr>
+          <p:nvPr>
+            <p:ph idx="1"/>
+          </p:nvPr>
+        </p:nvSpPr>
+        <p:spPr>
+          <a:xfrm>
+            <a:off x="838200" y="1253331"/>
+            <a:ext cx="10515600" cy="4351338"/>
+          </a:xfrm>
+        </p:spPr>
+        <p:txBody>
+          <a:bodyPr/>
+          <a:lstStyle/>
+          <a:p>
+            <a:r>
+              <a:rPr lang="en-GB" b="0" i="0" dirty="0">
+                <a:solidFill>
+                  <a:srgbClr val="0000CD"/>
+                </a:solidFill>
+                <a:effectLst/>
+                <a:latin typeface="Consolas" panose="020B0609020204030204" pitchFamily="49" charset="0"/>
+              </a:rPr>
+              <a:t>ALTER</a:t>
+            </a:r>
+            <a:r>
+              <a:rPr lang="en-GB" b="0" i="0" dirty="0">
+                <a:solidFill>
+                  <a:srgbClr val="000000"/>
+                </a:solidFill>
+                <a:effectLst/>
+                <a:latin typeface="Consolas" panose="020B0609020204030204" pitchFamily="49" charset="0"/>
+              </a:rPr>
+              <a:t> </a:t>
+            </a:r>
+            <a:r>
+              <a:rPr lang="en-GB" b="0" i="0" dirty="0">
+                <a:solidFill>
+                  <a:srgbClr val="0000CD"/>
+                </a:solidFill>
+                <a:effectLst/>
+                <a:latin typeface="Consolas" panose="020B0609020204030204" pitchFamily="49" charset="0"/>
+              </a:rPr>
+              <a:t>TABLE</a:t>
+            </a:r>
+            <a:r>
+              <a:rPr lang="en-GB" b="0" i="0" dirty="0">
+                <a:solidFill>
+                  <a:srgbClr val="000000"/>
+                </a:solidFill>
+                <a:effectLst/>
+                <a:latin typeface="Consolas" panose="020B0609020204030204" pitchFamily="49" charset="0"/>
+              </a:rPr>
+              <a:t> </a:t>
+            </a:r>
+            <a:r>
+              <a:rPr lang="en-GB" dirty="0"/>
+              <a:t>ARTICULO</a:t>
+            </a:r>
+          </a:p>
+          <a:p>
+            <a:r>
+              <a:rPr lang="en-GB" b="0" i="0" dirty="0">
+                <a:solidFill>
+                  <a:srgbClr val="0000CD"/>
+                </a:solidFill>
+                <a:effectLst/>
+                <a:latin typeface="Consolas" panose="020B0609020204030204" pitchFamily="49" charset="0"/>
+              </a:rPr>
+              <a:t>ADD</a:t>
+            </a:r>
+            <a:r>
+              <a:rPr lang="en-GB" b="0" i="0" dirty="0">
+                <a:solidFill>
+                  <a:srgbClr val="000000"/>
+                </a:solidFill>
+                <a:effectLst/>
+                <a:latin typeface="Consolas" panose="020B0609020204030204" pitchFamily="49" charset="0"/>
+              </a:rPr>
+              <a:t> </a:t>
+            </a:r>
+            <a:r>
+              <a:rPr lang="en-GB" dirty="0">
+                <a:solidFill>
+                  <a:srgbClr val="0000CD"/>
+                </a:solidFill>
+                <a:latin typeface="Consolas" panose="020B0609020204030204" pitchFamily="49" charset="0"/>
+              </a:rPr>
+              <a:t>COLUMN</a:t>
+            </a:r>
+            <a:r>
+              <a:rPr lang="en-GB" b="0" i="0" dirty="0">
+                <a:solidFill>
+                  <a:srgbClr val="000000"/>
+                </a:solidFill>
+                <a:effectLst/>
+                <a:latin typeface="Consolas" panose="020B0609020204030204" pitchFamily="49" charset="0"/>
+              </a:rPr>
+              <a:t> </a:t>
+            </a:r>
+            <a:r>
+              <a:rPr lang="en-GB" dirty="0"/>
+              <a:t>MARCA_BLANCA </a:t>
+            </a:r>
+            <a:r>
+              <a:rPr lang="en-GB" dirty="0">
+                <a:solidFill>
+                  <a:schemeClr val="accent2"/>
+                </a:solidFill>
+              </a:rPr>
+              <a:t>VARCHAR</a:t>
+            </a:r>
+            <a:r>
+              <a:rPr lang="en-GB" dirty="0"/>
+              <a:t>(25);</a:t>
+            </a:r>
+          </a:p>
+          <a:p>
+            <a:endParaRPr lang="en-ES" dirty="0"/>
+          </a:p>
+        </p:txBody>
+      </p:sp>
+      <p:graphicFrame>
+        <p:nvGraphicFramePr>
+          <p:cNvPr id="4" name="Table 3">
+            <a:extLst>
+              <a:ext uri="{FF2B5EF4-FFF2-40B4-BE49-F238E27FC236}">
+                <a16:creationId xmlns:a16="http://schemas.microsoft.com/office/drawing/2014/main" id="{56C8A514-B858-02DE-4DEF-FB2BFB0EADA3}"/>
+              </a:ext>
+            </a:extLst>
+          </p:cNvPr>
+          <p:cNvGraphicFramePr>
+            <a:graphicFrameLocks noGrp="1"/>
+          </p:cNvGraphicFramePr>
+          <p:nvPr>
+            <p:extLst>
+              <p:ext uri="{D42A27DB-BD31-4B8C-83A1-F6EECF244321}">
+                <p14:modId xmlns:p14="http://schemas.microsoft.com/office/powerpoint/2010/main" val="3173363446"/>
+              </p:ext>
+            </p:extLst>
+          </p:nvPr>
+        </p:nvGraphicFramePr>
+        <p:xfrm>
+          <a:off x="2392472" y="2495349"/>
+          <a:ext cx="5799550" cy="3997526"/>
+        </p:xfrm>
+        <a:graphic>
+          <a:graphicData uri="http://schemas.openxmlformats.org/drawingml/2006/table">
+            <a:tbl>
+              <a:tblPr/>
+              <a:tblGrid>
+                <a:gridCol w="1412978">
+                  <a:extLst>
+                    <a:ext uri="{9D8B030D-6E8A-4147-A177-3AD203B41FA5}">
+                      <a16:colId xmlns:a16="http://schemas.microsoft.com/office/drawing/2014/main" val="183861481"/>
+                    </a:ext>
+                  </a:extLst>
+                </a:gridCol>
+                <a:gridCol w="1813679">
+                  <a:extLst>
+                    <a:ext uri="{9D8B030D-6E8A-4147-A177-3AD203B41FA5}">
+                      <a16:colId xmlns:a16="http://schemas.microsoft.com/office/drawing/2014/main" val="261821260"/>
+                    </a:ext>
+                  </a:extLst>
+                </a:gridCol>
+                <a:gridCol w="801394">
+                  <a:extLst>
+                    <a:ext uri="{9D8B030D-6E8A-4147-A177-3AD203B41FA5}">
+                      <a16:colId xmlns:a16="http://schemas.microsoft.com/office/drawing/2014/main" val="784460560"/>
+                    </a:ext>
+                  </a:extLst>
+                </a:gridCol>
+                <a:gridCol w="1771499">
+                  <a:extLst>
+                    <a:ext uri="{9D8B030D-6E8A-4147-A177-3AD203B41FA5}">
+                      <a16:colId xmlns:a16="http://schemas.microsoft.com/office/drawing/2014/main" val="209784517"/>
+                    </a:ext>
+                  </a:extLst>
+                </a:gridCol>
+              </a:tblGrid>
+              <a:tr h="329326">
+                <a:tc>
+                  <a:txBody>
+                    <a:bodyPr/>
+                    <a:lstStyle/>
+                    <a:p>
+                      <a:r>
+                        <a:rPr lang="en-GB" sz="1400" b="1" dirty="0">
+                          <a:solidFill>
+                            <a:srgbClr val="000000"/>
+                          </a:solidFill>
+                          <a:effectLst/>
+                          <a:latin typeface="+mn-lt"/>
+                        </a:rPr>
+                        <a:t>ID_ARTICULO</a:t>
+                      </a:r>
+                      <a:endParaRPr lang="en-GB" sz="1400" dirty="0">
+                        <a:effectLst/>
+                        <a:latin typeface="+mn-lt"/>
+                      </a:endParaRPr>
+                    </a:p>
+                  </a:txBody>
+                  <a:tcPr marL="11524" marR="11524" marT="11524" marB="11524">
+                    <a:lnL w="9525" cap="flat" cmpd="sng" algn="ctr">
+                      <a:solidFill>
+                        <a:srgbClr val="000000"/>
+                      </a:solidFill>
+                      <a:prstDash val="solid"/>
+                      <a:round/>
+                      <a:headEnd type="none" w="med" len="med"/>
+                      <a:tailEnd type="none" w="med" len="med"/>
+                    </a:lnL>
+                    <a:lnR w="9525" cap="flat" cmpd="sng" algn="ctr">
+                      <a:solidFill>
+                        <a:srgbClr val="000000"/>
+                      </a:solidFill>
+                      <a:prstDash val="solid"/>
+                      <a:round/>
+                      <a:headEnd type="none" w="med" len="med"/>
+                      <a:tailEnd type="none" w="med" len="med"/>
+                    </a:lnR>
+                    <a:lnT w="9525" cap="flat" cmpd="sng" algn="ctr">
+                      <a:solidFill>
+                        <a:srgbClr val="000000"/>
+                      </a:solidFill>
+                      <a:prstDash val="solid"/>
+                      <a:round/>
+                      <a:headEnd type="none" w="med" len="med"/>
+                      <a:tailEnd type="none" w="med" len="med"/>
+                    </a:lnT>
+                    <a:lnB w="9525" cap="flat" cmpd="sng" algn="ctr">
+                      <a:solidFill>
+                        <a:srgbClr val="000000"/>
+                      </a:solidFill>
+                      <a:prstDash val="solid"/>
+                      <a:round/>
+                      <a:headEnd type="none" w="med" len="med"/>
+                      <a:tailEnd type="none" w="med" len="med"/>
+                    </a:lnB>
+                    <a:solidFill>
+                      <a:srgbClr val="B0B3B2"/>
+                    </a:solidFill>
+                  </a:tcPr>
+                </a:tc>
+                <a:tc>
+                  <a:txBody>
+                    <a:bodyPr/>
+                    <a:lstStyle/>
+                    <a:p>
+                      <a:r>
+                        <a:rPr lang="en-GB" sz="1400" b="1" dirty="0">
+                          <a:solidFill>
+                            <a:srgbClr val="000000"/>
+                          </a:solidFill>
+                          <a:effectLst/>
+                          <a:latin typeface="+mn-lt"/>
+                        </a:rPr>
+                        <a:t>DESCRIPCION</a:t>
+                      </a:r>
+                      <a:endParaRPr lang="en-GB" sz="1400" dirty="0">
+                        <a:effectLst/>
+                        <a:latin typeface="+mn-lt"/>
+                      </a:endParaRPr>
+                    </a:p>
+                  </a:txBody>
+                  <a:tcPr marL="11524" marR="11524" marT="11524" marB="11524">
+                    <a:lnL w="9525" cap="flat" cmpd="sng" algn="ctr">
+                      <a:solidFill>
+                        <a:srgbClr val="000000"/>
+                      </a:solidFill>
+                      <a:prstDash val="solid"/>
+                      <a:round/>
+                      <a:headEnd type="none" w="med" len="med"/>
+                      <a:tailEnd type="none" w="med" len="med"/>
+                    </a:lnL>
+                    <a:lnR w="9525" cap="flat" cmpd="sng" algn="ctr">
+                      <a:solidFill>
+                        <a:srgbClr val="000000"/>
+                      </a:solidFill>
+                      <a:prstDash val="solid"/>
+                      <a:round/>
+                      <a:headEnd type="none" w="med" len="med"/>
+                      <a:tailEnd type="none" w="med" len="med"/>
+                    </a:lnR>
+                    <a:lnT w="9525" cap="flat" cmpd="sng" algn="ctr">
+                      <a:solidFill>
+                        <a:srgbClr val="000000"/>
+                      </a:solidFill>
+                      <a:prstDash val="solid"/>
+                      <a:round/>
+                      <a:headEnd type="none" w="med" len="med"/>
+                      <a:tailEnd type="none" w="med" len="med"/>
+                    </a:lnT>
+                    <a:lnB w="9525" cap="flat" cmpd="sng" algn="ctr">
+                      <a:solidFill>
+                        <a:srgbClr val="000000"/>
+                      </a:solidFill>
+                      <a:prstDash val="solid"/>
+                      <a:round/>
+                      <a:headEnd type="none" w="med" len="med"/>
+                      <a:tailEnd type="none" w="med" len="med"/>
+                    </a:lnB>
+                    <a:solidFill>
+                      <a:srgbClr val="B0B3B2"/>
+                    </a:solidFill>
+                  </a:tcPr>
+                </a:tc>
+                <a:tc>
+                  <a:txBody>
+                    <a:bodyPr/>
+                    <a:lstStyle/>
+                    <a:p>
+                      <a:r>
+                        <a:rPr lang="en-GB" sz="1400" b="1">
+                          <a:solidFill>
+                            <a:srgbClr val="000000"/>
+                          </a:solidFill>
+                          <a:effectLst/>
+                          <a:latin typeface="+mn-lt"/>
+                        </a:rPr>
+                        <a:t>PRECIO</a:t>
+                      </a:r>
+                      <a:endParaRPr lang="en-GB" sz="1400">
+                        <a:effectLst/>
+                        <a:latin typeface="+mn-lt"/>
+                      </a:endParaRPr>
+                    </a:p>
+                  </a:txBody>
+                  <a:tcPr marL="11524" marR="11524" marT="11524" marB="11524">
+                    <a:lnL w="9525" cap="flat" cmpd="sng" algn="ctr">
+                      <a:solidFill>
+                        <a:srgbClr val="000000"/>
+                      </a:solidFill>
+                      <a:prstDash val="solid"/>
+                      <a:round/>
+                      <a:headEnd type="none" w="med" len="med"/>
+                      <a:tailEnd type="none" w="med" len="med"/>
+                    </a:lnL>
+                    <a:lnR w="9525" cap="flat" cmpd="sng" algn="ctr">
+                      <a:solidFill>
+                        <a:srgbClr val="000000"/>
+                      </a:solidFill>
+                      <a:prstDash val="solid"/>
+                      <a:round/>
+                      <a:headEnd type="none" w="med" len="med"/>
+                      <a:tailEnd type="none" w="med" len="med"/>
+                    </a:lnR>
+                    <a:lnT w="9525" cap="flat" cmpd="sng" algn="ctr">
+                      <a:solidFill>
+                        <a:srgbClr val="000000"/>
+                      </a:solidFill>
+                      <a:prstDash val="solid"/>
+                      <a:round/>
+                      <a:headEnd type="none" w="med" len="med"/>
+                      <a:tailEnd type="none" w="med" len="med"/>
+                    </a:lnT>
+                    <a:lnB w="9525" cap="flat" cmpd="sng" algn="ctr">
+                      <a:solidFill>
+                        <a:srgbClr val="000000"/>
+                      </a:solidFill>
+                      <a:prstDash val="solid"/>
+                      <a:round/>
+                      <a:headEnd type="none" w="med" len="med"/>
+                      <a:tailEnd type="none" w="med" len="med"/>
+                    </a:lnB>
+                    <a:solidFill>
+                      <a:srgbClr val="B0B3B2"/>
+                    </a:solidFill>
+                  </a:tcPr>
+                </a:tc>
+                <a:tc>
+                  <a:txBody>
+                    <a:bodyPr/>
+                    <a:lstStyle/>
+                    <a:p>
+                      <a:r>
+                        <a:rPr lang="en-GB" sz="1400" b="1">
+                          <a:solidFill>
+                            <a:srgbClr val="000000"/>
+                          </a:solidFill>
+                          <a:effectLst/>
+                          <a:latin typeface="+mn-lt"/>
+                        </a:rPr>
+                        <a:t>MARCA_BLANCA</a:t>
+                      </a:r>
+                      <a:endParaRPr lang="en-GB" sz="1400">
+                        <a:effectLst/>
+                        <a:latin typeface="+mn-lt"/>
+                      </a:endParaRPr>
+                    </a:p>
+                  </a:txBody>
+                  <a:tcPr marL="11524" marR="11524" marT="11524" marB="11524">
+                    <a:lnL w="9525" cap="flat" cmpd="sng" algn="ctr">
+                      <a:solidFill>
+                        <a:srgbClr val="000000"/>
+                      </a:solidFill>
+                      <a:prstDash val="solid"/>
+                      <a:round/>
+                      <a:headEnd type="none" w="med" len="med"/>
+                      <a:tailEnd type="none" w="med" len="med"/>
+                    </a:lnL>
+                    <a:lnR w="9525" cap="flat" cmpd="sng" algn="ctr">
+                      <a:solidFill>
+                        <a:srgbClr val="000000"/>
+                      </a:solidFill>
+                      <a:prstDash val="solid"/>
+                      <a:round/>
+                      <a:headEnd type="none" w="med" len="med"/>
+                      <a:tailEnd type="none" w="med" len="med"/>
+                    </a:lnR>
+                    <a:lnT w="9525" cap="flat" cmpd="sng" algn="ctr">
+                      <a:solidFill>
+                        <a:srgbClr val="000000"/>
+                      </a:solidFill>
+                      <a:prstDash val="solid"/>
+                      <a:round/>
+                      <a:headEnd type="none" w="med" len="med"/>
+                      <a:tailEnd type="none" w="med" len="med"/>
+                    </a:lnT>
+                    <a:lnB w="9525" cap="flat" cmpd="sng" algn="ctr">
+                      <a:solidFill>
+                        <a:srgbClr val="000000"/>
+                      </a:solidFill>
+                      <a:prstDash val="solid"/>
+                      <a:round/>
+                      <a:headEnd type="none" w="med" len="med"/>
+                      <a:tailEnd type="none" w="med" len="med"/>
+                    </a:lnB>
+                    <a:solidFill>
+                      <a:srgbClr val="B0B3B2"/>
+                    </a:solidFill>
+                  </a:tcPr>
+                </a:tc>
+                <a:extLst>
+                  <a:ext uri="{0D108BD9-81ED-4DB2-BD59-A6C34878D82A}">
+                    <a16:rowId xmlns:a16="http://schemas.microsoft.com/office/drawing/2014/main" val="148375987"/>
+                  </a:ext>
+                </a:extLst>
+              </a:tr>
+              <a:tr h="142130">
+                <a:tc>
+                  <a:txBody>
+                    <a:bodyPr/>
+                    <a:lstStyle/>
+                    <a:p>
+                      <a:r>
+                        <a:rPr lang="en-ES" sz="1400" b="1" dirty="0">
+                          <a:solidFill>
+                            <a:srgbClr val="000000"/>
+                          </a:solidFill>
+                          <a:effectLst/>
+                          <a:latin typeface="+mn-lt"/>
+                        </a:rPr>
+                        <a:t>1</a:t>
+                      </a:r>
+                      <a:endParaRPr lang="en-ES" sz="1400" dirty="0">
+                        <a:effectLst/>
+                        <a:latin typeface="+mn-lt"/>
+                      </a:endParaRPr>
+                    </a:p>
+                  </a:txBody>
+                  <a:tcPr marL="11524" marR="11524" marT="11524" marB="11524">
+                    <a:lnL w="9525" cap="flat" cmpd="sng" algn="ctr">
+                      <a:solidFill>
+                        <a:srgbClr val="000000"/>
+                      </a:solidFill>
+                      <a:prstDash val="solid"/>
+                      <a:round/>
+                      <a:headEnd type="none" w="med" len="med"/>
+                      <a:tailEnd type="none" w="med" len="med"/>
+                    </a:lnL>
+                    <a:lnR w="9525" cap="flat" cmpd="sng" algn="ctr">
+                      <a:solidFill>
+                        <a:srgbClr val="000000"/>
+                      </a:solidFill>
+                      <a:prstDash val="solid"/>
+                      <a:round/>
+                      <a:headEnd type="none" w="med" len="med"/>
+                      <a:tailEnd type="none" w="med" len="med"/>
+                    </a:lnR>
+                    <a:lnT w="9525" cap="flat" cmpd="sng" algn="ctr">
+                      <a:solidFill>
+                        <a:srgbClr val="000000"/>
+                      </a:solidFill>
+                      <a:prstDash val="solid"/>
+                      <a:round/>
+                      <a:headEnd type="none" w="med" len="med"/>
+                      <a:tailEnd type="none" w="med" len="med"/>
+                    </a:lnT>
+                    <a:lnB w="9525" cap="flat" cmpd="sng" algn="ctr">
+                      <a:solidFill>
+                        <a:srgbClr val="000000"/>
+                      </a:solidFill>
+                      <a:prstDash val="solid"/>
+                      <a:round/>
+                      <a:headEnd type="none" w="med" len="med"/>
+                      <a:tailEnd type="none" w="med" len="med"/>
+                    </a:lnB>
+                    <a:solidFill>
+                      <a:srgbClr val="D4D4D4"/>
+                    </a:solidFill>
+                  </a:tcPr>
+                </a:tc>
+                <a:tc>
+                  <a:txBody>
+                    <a:bodyPr/>
+                    <a:lstStyle/>
+                    <a:p>
+                      <a:r>
+                        <a:rPr lang="en-GB" sz="1400">
+                          <a:solidFill>
+                            <a:srgbClr val="000000"/>
+                          </a:solidFill>
+                          <a:effectLst/>
+                          <a:latin typeface="+mn-lt"/>
+                        </a:rPr>
+                        <a:t>Pantalones</a:t>
+                      </a:r>
+                      <a:endParaRPr lang="en-GB" sz="1400">
+                        <a:effectLst/>
+                        <a:latin typeface="+mn-lt"/>
+                      </a:endParaRPr>
+                    </a:p>
+                  </a:txBody>
+                  <a:tcPr marL="11524" marR="11524" marT="11524" marB="11524">
+                    <a:lnL w="9525" cap="flat" cmpd="sng" algn="ctr">
+                      <a:solidFill>
+                        <a:srgbClr val="000000"/>
+                      </a:solidFill>
+                      <a:prstDash val="solid"/>
+                      <a:round/>
+                      <a:headEnd type="none" w="med" len="med"/>
+                      <a:tailEnd type="none" w="med" len="med"/>
+                    </a:lnL>
+                    <a:lnR w="9525" cap="flat" cmpd="sng" algn="ctr">
+                      <a:solidFill>
+                        <a:srgbClr val="000000"/>
+                      </a:solidFill>
+                      <a:prstDash val="solid"/>
+                      <a:round/>
+                      <a:headEnd type="none" w="med" len="med"/>
+                      <a:tailEnd type="none" w="med" len="med"/>
+                    </a:lnR>
+                    <a:lnT w="9525" cap="flat" cmpd="sng" algn="ctr">
+                      <a:solidFill>
+                        <a:srgbClr val="000000"/>
+                      </a:solidFill>
+                      <a:prstDash val="solid"/>
+                      <a:round/>
+                      <a:headEnd type="none" w="med" len="med"/>
+                      <a:tailEnd type="none" w="med" len="med"/>
+                    </a:lnT>
+                    <a:lnB w="9525" cap="flat" cmpd="sng" algn="ctr">
+                      <a:solidFill>
+                        <a:srgbClr val="000000"/>
+                      </a:solidFill>
+                      <a:prstDash val="solid"/>
+                      <a:round/>
+                      <a:headEnd type="none" w="med" len="med"/>
+                      <a:tailEnd type="none" w="med" len="med"/>
+                    </a:lnB>
+                  </a:tcPr>
+                </a:tc>
+                <a:tc>
+                  <a:txBody>
+                    <a:bodyPr/>
+                    <a:lstStyle/>
+                    <a:p>
+                      <a:r>
+                        <a:rPr lang="en-ES" sz="1400">
+                          <a:solidFill>
+                            <a:srgbClr val="000000"/>
+                          </a:solidFill>
+                          <a:effectLst/>
+                          <a:latin typeface="+mn-lt"/>
+                        </a:rPr>
+                        <a:t>29.5</a:t>
+                      </a:r>
+                      <a:endParaRPr lang="en-ES" sz="1400">
+                        <a:effectLst/>
+                        <a:latin typeface="+mn-lt"/>
+                      </a:endParaRPr>
+                    </a:p>
+                  </a:txBody>
+                  <a:tcPr marL="11524" marR="11524" marT="11524" marB="11524">
+                    <a:lnL w="9525" cap="flat" cmpd="sng" algn="ctr">
+                      <a:solidFill>
+                        <a:srgbClr val="000000"/>
+                      </a:solidFill>
+                      <a:prstDash val="solid"/>
+                      <a:round/>
+                      <a:headEnd type="none" w="med" len="med"/>
+                      <a:tailEnd type="none" w="med" len="med"/>
+                    </a:lnL>
+                    <a:lnR w="9525" cap="flat" cmpd="sng" algn="ctr">
+                      <a:solidFill>
+                        <a:srgbClr val="000000"/>
+                      </a:solidFill>
+                      <a:prstDash val="solid"/>
+                      <a:round/>
+                      <a:headEnd type="none" w="med" len="med"/>
+                      <a:tailEnd type="none" w="med" len="med"/>
+                    </a:lnR>
+                    <a:lnT w="9525" cap="flat" cmpd="sng" algn="ctr">
+                      <a:solidFill>
+                        <a:srgbClr val="000000"/>
+                      </a:solidFill>
+                      <a:prstDash val="solid"/>
+                      <a:round/>
+                      <a:headEnd type="none" w="med" len="med"/>
+                      <a:tailEnd type="none" w="med" len="med"/>
+                    </a:lnT>
+                    <a:lnB w="9525" cap="flat" cmpd="sng" algn="ctr">
+                      <a:solidFill>
+                        <a:srgbClr val="000000"/>
+                      </a:solidFill>
+                      <a:prstDash val="solid"/>
+                      <a:round/>
+                      <a:headEnd type="none" w="med" len="med"/>
+                      <a:tailEnd type="none" w="med" len="med"/>
+                    </a:lnB>
+                  </a:tcPr>
+                </a:tc>
+                <a:tc>
+                  <a:txBody>
+                    <a:bodyPr/>
+                    <a:lstStyle/>
+                    <a:p>
+                      <a:r>
+                        <a:rPr lang="en-GB" sz="1400">
+                          <a:solidFill>
+                            <a:srgbClr val="000000"/>
+                          </a:solidFill>
+                          <a:effectLst/>
+                          <a:latin typeface="+mn-lt"/>
+                        </a:rPr>
+                        <a:t>NULL</a:t>
+                      </a:r>
+                      <a:endParaRPr lang="en-GB" sz="1400">
+                        <a:effectLst/>
+                        <a:latin typeface="+mn-lt"/>
+                      </a:endParaRPr>
+                    </a:p>
+                  </a:txBody>
+                  <a:tcPr marL="11524" marR="11524" marT="11524" marB="11524">
+                    <a:lnL w="9525" cap="flat" cmpd="sng" algn="ctr">
+                      <a:solidFill>
+                        <a:srgbClr val="000000"/>
+                      </a:solidFill>
+                      <a:prstDash val="solid"/>
+                      <a:round/>
+                      <a:headEnd type="none" w="med" len="med"/>
+                      <a:tailEnd type="none" w="med" len="med"/>
+                    </a:lnL>
+                    <a:lnR w="9525" cap="flat" cmpd="sng" algn="ctr">
+                      <a:solidFill>
+                        <a:srgbClr val="000000"/>
+                      </a:solidFill>
+                      <a:prstDash val="solid"/>
+                      <a:round/>
+                      <a:headEnd type="none" w="med" len="med"/>
+                      <a:tailEnd type="none" w="med" len="med"/>
+                    </a:lnR>
+                    <a:lnT w="9525" cap="flat" cmpd="sng" algn="ctr">
+                      <a:solidFill>
+                        <a:srgbClr val="000000"/>
+                      </a:solidFill>
+                      <a:prstDash val="solid"/>
+                      <a:round/>
+                      <a:headEnd type="none" w="med" len="med"/>
+                      <a:tailEnd type="none" w="med" len="med"/>
+                    </a:lnT>
+                    <a:lnB w="9525" cap="flat" cmpd="sng" algn="ctr">
+                      <a:solidFill>
+                        <a:srgbClr val="000000"/>
+                      </a:solidFill>
+                      <a:prstDash val="solid"/>
+                      <a:round/>
+                      <a:headEnd type="none" w="med" len="med"/>
+                      <a:tailEnd type="none" w="med" len="med"/>
+                    </a:lnB>
+                  </a:tcPr>
+                </a:tc>
+                <a:extLst>
+                  <a:ext uri="{0D108BD9-81ED-4DB2-BD59-A6C34878D82A}">
+                    <a16:rowId xmlns:a16="http://schemas.microsoft.com/office/drawing/2014/main" val="3463061506"/>
+                  </a:ext>
+                </a:extLst>
+              </a:tr>
+              <a:tr h="142130">
+                <a:tc>
+                  <a:txBody>
+                    <a:bodyPr/>
+                    <a:lstStyle/>
+                    <a:p>
+                      <a:r>
+                        <a:rPr lang="en-ES" sz="1400" b="1" dirty="0">
+                          <a:solidFill>
+                            <a:srgbClr val="000000"/>
+                          </a:solidFill>
+                          <a:effectLst/>
+                          <a:latin typeface="+mn-lt"/>
+                        </a:rPr>
+                        <a:t>10</a:t>
+                      </a:r>
+                      <a:endParaRPr lang="en-ES" sz="1400" dirty="0">
+                        <a:effectLst/>
+                        <a:latin typeface="+mn-lt"/>
+                      </a:endParaRPr>
+                    </a:p>
+                  </a:txBody>
+                  <a:tcPr marL="11524" marR="11524" marT="11524" marB="11524">
+                    <a:lnL w="9525" cap="flat" cmpd="sng" algn="ctr">
+                      <a:solidFill>
+                        <a:srgbClr val="000000"/>
+                      </a:solidFill>
+                      <a:prstDash val="solid"/>
+                      <a:round/>
+                      <a:headEnd type="none" w="med" len="med"/>
+                      <a:tailEnd type="none" w="med" len="med"/>
+                    </a:lnL>
+                    <a:lnR w="9525" cap="flat" cmpd="sng" algn="ctr">
+                      <a:solidFill>
+                        <a:srgbClr val="000000"/>
+                      </a:solidFill>
+                      <a:prstDash val="solid"/>
+                      <a:round/>
+                      <a:headEnd type="none" w="med" len="med"/>
+                      <a:tailEnd type="none" w="med" len="med"/>
+                    </a:lnR>
+                    <a:lnT w="9525" cap="flat" cmpd="sng" algn="ctr">
+                      <a:solidFill>
+                        <a:srgbClr val="000000"/>
+                      </a:solidFill>
+                      <a:prstDash val="solid"/>
+                      <a:round/>
+                      <a:headEnd type="none" w="med" len="med"/>
+                      <a:tailEnd type="none" w="med" len="med"/>
+                    </a:lnT>
+                    <a:lnB w="9525" cap="flat" cmpd="sng" algn="ctr">
+                      <a:solidFill>
+                        <a:srgbClr val="000000"/>
+                      </a:solidFill>
+                      <a:prstDash val="solid"/>
+                      <a:round/>
+                      <a:headEnd type="none" w="med" len="med"/>
+                      <a:tailEnd type="none" w="med" len="med"/>
+                    </a:lnB>
+                    <a:solidFill>
+                      <a:srgbClr val="D4D4D4"/>
+                    </a:solidFill>
+                  </a:tcPr>
+                </a:tc>
+                <a:tc>
+                  <a:txBody>
+                    <a:bodyPr/>
+                    <a:lstStyle/>
+                    <a:p>
+                      <a:r>
+                        <a:rPr lang="en-GB" sz="1400">
+                          <a:solidFill>
+                            <a:srgbClr val="000000"/>
+                          </a:solidFill>
+                          <a:effectLst/>
+                          <a:latin typeface="+mn-lt"/>
+                        </a:rPr>
+                        <a:t>Silla</a:t>
+                      </a:r>
+                      <a:endParaRPr lang="en-GB" sz="1400">
+                        <a:effectLst/>
+                        <a:latin typeface="+mn-lt"/>
+                      </a:endParaRPr>
+                    </a:p>
+                  </a:txBody>
+                  <a:tcPr marL="11524" marR="11524" marT="11524" marB="11524">
+                    <a:lnL w="9525" cap="flat" cmpd="sng" algn="ctr">
+                      <a:solidFill>
+                        <a:srgbClr val="000000"/>
+                      </a:solidFill>
+                      <a:prstDash val="solid"/>
+                      <a:round/>
+                      <a:headEnd type="none" w="med" len="med"/>
+                      <a:tailEnd type="none" w="med" len="med"/>
+                    </a:lnL>
+                    <a:lnR w="9525" cap="flat" cmpd="sng" algn="ctr">
+                      <a:solidFill>
+                        <a:srgbClr val="000000"/>
+                      </a:solidFill>
+                      <a:prstDash val="solid"/>
+                      <a:round/>
+                      <a:headEnd type="none" w="med" len="med"/>
+                      <a:tailEnd type="none" w="med" len="med"/>
+                    </a:lnR>
+                    <a:lnT w="9525" cap="flat" cmpd="sng" algn="ctr">
+                      <a:solidFill>
+                        <a:srgbClr val="000000"/>
+                      </a:solidFill>
+                      <a:prstDash val="solid"/>
+                      <a:round/>
+                      <a:headEnd type="none" w="med" len="med"/>
+                      <a:tailEnd type="none" w="med" len="med"/>
+                    </a:lnT>
+                    <a:lnB w="9525" cap="flat" cmpd="sng" algn="ctr">
+                      <a:solidFill>
+                        <a:srgbClr val="000000"/>
+                      </a:solidFill>
+                      <a:prstDash val="solid"/>
+                      <a:round/>
+                      <a:headEnd type="none" w="med" len="med"/>
+                      <a:tailEnd type="none" w="med" len="med"/>
+                    </a:lnB>
+                  </a:tcPr>
+                </a:tc>
+                <a:tc>
+                  <a:txBody>
+                    <a:bodyPr/>
+                    <a:lstStyle/>
+                    <a:p>
+                      <a:r>
+                        <a:rPr lang="en-ES" sz="1400">
+                          <a:solidFill>
+                            <a:srgbClr val="000000"/>
+                          </a:solidFill>
+                          <a:effectLst/>
+                          <a:latin typeface="+mn-lt"/>
+                        </a:rPr>
+                        <a:t>45.5</a:t>
+                      </a:r>
+                      <a:endParaRPr lang="en-ES" sz="1400">
+                        <a:effectLst/>
+                        <a:latin typeface="+mn-lt"/>
+                      </a:endParaRPr>
+                    </a:p>
+                  </a:txBody>
+                  <a:tcPr marL="11524" marR="11524" marT="11524" marB="11524">
+                    <a:lnL w="9525" cap="flat" cmpd="sng" algn="ctr">
+                      <a:solidFill>
+                        <a:srgbClr val="000000"/>
+                      </a:solidFill>
+                      <a:prstDash val="solid"/>
+                      <a:round/>
+                      <a:headEnd type="none" w="med" len="med"/>
+                      <a:tailEnd type="none" w="med" len="med"/>
+                    </a:lnL>
+                    <a:lnR w="9525" cap="flat" cmpd="sng" algn="ctr">
+                      <a:solidFill>
+                        <a:srgbClr val="000000"/>
+                      </a:solidFill>
+                      <a:prstDash val="solid"/>
+                      <a:round/>
+                      <a:headEnd type="none" w="med" len="med"/>
+                      <a:tailEnd type="none" w="med" len="med"/>
+                    </a:lnR>
+                    <a:lnT w="9525" cap="flat" cmpd="sng" algn="ctr">
+                      <a:solidFill>
+                        <a:srgbClr val="000000"/>
+                      </a:solidFill>
+                      <a:prstDash val="solid"/>
+                      <a:round/>
+                      <a:headEnd type="none" w="med" len="med"/>
+                      <a:tailEnd type="none" w="med" len="med"/>
+                    </a:lnT>
+                    <a:lnB w="9525" cap="flat" cmpd="sng" algn="ctr">
+                      <a:solidFill>
+                        <a:srgbClr val="000000"/>
+                      </a:solidFill>
+                      <a:prstDash val="solid"/>
+                      <a:round/>
+                      <a:headEnd type="none" w="med" len="med"/>
+                      <a:tailEnd type="none" w="med" len="med"/>
+                    </a:lnB>
+                  </a:tcPr>
+                </a:tc>
+                <a:tc>
+                  <a:txBody>
+                    <a:bodyPr/>
+                    <a:lstStyle/>
+                    <a:p>
+                      <a:r>
+                        <a:rPr lang="en-GB" sz="1400">
+                          <a:solidFill>
+                            <a:srgbClr val="000000"/>
+                          </a:solidFill>
+                          <a:effectLst/>
+                          <a:latin typeface="+mn-lt"/>
+                        </a:rPr>
+                        <a:t>NULL</a:t>
+                      </a:r>
+                      <a:endParaRPr lang="en-GB" sz="1400">
+                        <a:effectLst/>
+                        <a:latin typeface="+mn-lt"/>
+                      </a:endParaRPr>
+                    </a:p>
+                  </a:txBody>
+                  <a:tcPr marL="11524" marR="11524" marT="11524" marB="11524">
+                    <a:lnL w="9525" cap="flat" cmpd="sng" algn="ctr">
+                      <a:solidFill>
+                        <a:srgbClr val="000000"/>
+                      </a:solidFill>
+                      <a:prstDash val="solid"/>
+                      <a:round/>
+                      <a:headEnd type="none" w="med" len="med"/>
+                      <a:tailEnd type="none" w="med" len="med"/>
+                    </a:lnL>
+                    <a:lnR w="9525" cap="flat" cmpd="sng" algn="ctr">
+                      <a:solidFill>
+                        <a:srgbClr val="000000"/>
+                      </a:solidFill>
+                      <a:prstDash val="solid"/>
+                      <a:round/>
+                      <a:headEnd type="none" w="med" len="med"/>
+                      <a:tailEnd type="none" w="med" len="med"/>
+                    </a:lnR>
+                    <a:lnT w="9525" cap="flat" cmpd="sng" algn="ctr">
+                      <a:solidFill>
+                        <a:srgbClr val="000000"/>
+                      </a:solidFill>
+                      <a:prstDash val="solid"/>
+                      <a:round/>
+                      <a:headEnd type="none" w="med" len="med"/>
+                      <a:tailEnd type="none" w="med" len="med"/>
+                    </a:lnT>
+                    <a:lnB w="9525" cap="flat" cmpd="sng" algn="ctr">
+                      <a:solidFill>
+                        <a:srgbClr val="000000"/>
+                      </a:solidFill>
+                      <a:prstDash val="solid"/>
+                      <a:round/>
+                      <a:headEnd type="none" w="med" len="med"/>
+                      <a:tailEnd type="none" w="med" len="med"/>
+                    </a:lnB>
+                  </a:tcPr>
+                </a:tc>
+                <a:extLst>
+                  <a:ext uri="{0D108BD9-81ED-4DB2-BD59-A6C34878D82A}">
+                    <a16:rowId xmlns:a16="http://schemas.microsoft.com/office/drawing/2014/main" val="2914697863"/>
+                  </a:ext>
+                </a:extLst>
+              </a:tr>
+              <a:tr h="204530">
+                <a:tc>
+                  <a:txBody>
+                    <a:bodyPr/>
+                    <a:lstStyle/>
+                    <a:p>
+                      <a:r>
+                        <a:rPr lang="en-ES" sz="1400" b="1">
+                          <a:solidFill>
+                            <a:srgbClr val="000000"/>
+                          </a:solidFill>
+                          <a:effectLst/>
+                          <a:latin typeface="+mn-lt"/>
+                        </a:rPr>
+                        <a:t>11</a:t>
+                      </a:r>
+                      <a:endParaRPr lang="en-ES" sz="1400">
+                        <a:effectLst/>
+                        <a:latin typeface="+mn-lt"/>
+                      </a:endParaRPr>
+                    </a:p>
+                  </a:txBody>
+                  <a:tcPr marL="11524" marR="11524" marT="11524" marB="11524">
+                    <a:lnL w="9525" cap="flat" cmpd="sng" algn="ctr">
+                      <a:solidFill>
+                        <a:srgbClr val="000000"/>
+                      </a:solidFill>
+                      <a:prstDash val="solid"/>
+                      <a:round/>
+                      <a:headEnd type="none" w="med" len="med"/>
+                      <a:tailEnd type="none" w="med" len="med"/>
+                    </a:lnL>
+                    <a:lnR w="9525" cap="flat" cmpd="sng" algn="ctr">
+                      <a:solidFill>
+                        <a:srgbClr val="000000"/>
+                      </a:solidFill>
+                      <a:prstDash val="solid"/>
+                      <a:round/>
+                      <a:headEnd type="none" w="med" len="med"/>
+                      <a:tailEnd type="none" w="med" len="med"/>
+                    </a:lnR>
+                    <a:lnT w="9525" cap="flat" cmpd="sng" algn="ctr">
+                      <a:solidFill>
+                        <a:srgbClr val="000000"/>
+                      </a:solidFill>
+                      <a:prstDash val="solid"/>
+                      <a:round/>
+                      <a:headEnd type="none" w="med" len="med"/>
+                      <a:tailEnd type="none" w="med" len="med"/>
+                    </a:lnT>
+                    <a:lnB w="9525" cap="flat" cmpd="sng" algn="ctr">
+                      <a:solidFill>
+                        <a:srgbClr val="000000"/>
+                      </a:solidFill>
+                      <a:prstDash val="solid"/>
+                      <a:round/>
+                      <a:headEnd type="none" w="med" len="med"/>
+                      <a:tailEnd type="none" w="med" len="med"/>
+                    </a:lnB>
+                    <a:solidFill>
+                      <a:srgbClr val="D4D4D4"/>
+                    </a:solidFill>
+                  </a:tcPr>
+                </a:tc>
+                <a:tc>
+                  <a:txBody>
+                    <a:bodyPr/>
+                    <a:lstStyle/>
+                    <a:p>
+                      <a:r>
+                        <a:rPr lang="en-GB" sz="1400" dirty="0">
+                          <a:solidFill>
+                            <a:srgbClr val="000000"/>
+                          </a:solidFill>
+                          <a:effectLst/>
+                          <a:latin typeface="+mn-lt"/>
+                        </a:rPr>
+                        <a:t>Raton</a:t>
+                      </a:r>
+                      <a:endParaRPr lang="en-GB" sz="1400" dirty="0">
+                        <a:effectLst/>
+                        <a:latin typeface="+mn-lt"/>
+                      </a:endParaRPr>
+                    </a:p>
+                  </a:txBody>
+                  <a:tcPr marL="11524" marR="11524" marT="11524" marB="11524">
+                    <a:lnL w="9525" cap="flat" cmpd="sng" algn="ctr">
+                      <a:solidFill>
+                        <a:srgbClr val="000000"/>
+                      </a:solidFill>
+                      <a:prstDash val="solid"/>
+                      <a:round/>
+                      <a:headEnd type="none" w="med" len="med"/>
+                      <a:tailEnd type="none" w="med" len="med"/>
+                    </a:lnL>
+                    <a:lnR w="9525" cap="flat" cmpd="sng" algn="ctr">
+                      <a:solidFill>
+                        <a:srgbClr val="000000"/>
+                      </a:solidFill>
+                      <a:prstDash val="solid"/>
+                      <a:round/>
+                      <a:headEnd type="none" w="med" len="med"/>
+                      <a:tailEnd type="none" w="med" len="med"/>
+                    </a:lnR>
+                    <a:lnT w="9525" cap="flat" cmpd="sng" algn="ctr">
+                      <a:solidFill>
+                        <a:srgbClr val="000000"/>
+                      </a:solidFill>
+                      <a:prstDash val="solid"/>
+                      <a:round/>
+                      <a:headEnd type="none" w="med" len="med"/>
+                      <a:tailEnd type="none" w="med" len="med"/>
+                    </a:lnT>
+                    <a:lnB w="9525" cap="flat" cmpd="sng" algn="ctr">
+                      <a:solidFill>
+                        <a:srgbClr val="000000"/>
+                      </a:solidFill>
+                      <a:prstDash val="solid"/>
+                      <a:round/>
+                      <a:headEnd type="none" w="med" len="med"/>
+                      <a:tailEnd type="none" w="med" len="med"/>
+                    </a:lnB>
+                  </a:tcPr>
+                </a:tc>
+                <a:tc>
+                  <a:txBody>
+                    <a:bodyPr/>
+                    <a:lstStyle/>
+                    <a:p>
+                      <a:r>
+                        <a:rPr lang="en-ES" sz="1400">
+                          <a:solidFill>
+                            <a:srgbClr val="000000"/>
+                          </a:solidFill>
+                          <a:effectLst/>
+                          <a:latin typeface="+mn-lt"/>
+                        </a:rPr>
+                        <a:t>22.95</a:t>
+                      </a:r>
+                      <a:endParaRPr lang="en-ES" sz="1400">
+                        <a:effectLst/>
+                        <a:latin typeface="+mn-lt"/>
+                      </a:endParaRPr>
+                    </a:p>
+                  </a:txBody>
+                  <a:tcPr marL="11524" marR="11524" marT="11524" marB="11524">
+                    <a:lnL w="9525" cap="flat" cmpd="sng" algn="ctr">
+                      <a:solidFill>
+                        <a:srgbClr val="000000"/>
+                      </a:solidFill>
+                      <a:prstDash val="solid"/>
+                      <a:round/>
+                      <a:headEnd type="none" w="med" len="med"/>
+                      <a:tailEnd type="none" w="med" len="med"/>
+                    </a:lnL>
+                    <a:lnR w="9525" cap="flat" cmpd="sng" algn="ctr">
+                      <a:solidFill>
+                        <a:srgbClr val="000000"/>
+                      </a:solidFill>
+                      <a:prstDash val="solid"/>
+                      <a:round/>
+                      <a:headEnd type="none" w="med" len="med"/>
+                      <a:tailEnd type="none" w="med" len="med"/>
+                    </a:lnR>
+                    <a:lnT w="9525" cap="flat" cmpd="sng" algn="ctr">
+                      <a:solidFill>
+                        <a:srgbClr val="000000"/>
+                      </a:solidFill>
+                      <a:prstDash val="solid"/>
+                      <a:round/>
+                      <a:headEnd type="none" w="med" len="med"/>
+                      <a:tailEnd type="none" w="med" len="med"/>
+                    </a:lnT>
+                    <a:lnB w="9525" cap="flat" cmpd="sng" algn="ctr">
+                      <a:solidFill>
+                        <a:srgbClr val="000000"/>
+                      </a:solidFill>
+                      <a:prstDash val="solid"/>
+                      <a:round/>
+                      <a:headEnd type="none" w="med" len="med"/>
+                      <a:tailEnd type="none" w="med" len="med"/>
+                    </a:lnB>
+                  </a:tcPr>
+                </a:tc>
+                <a:tc>
+                  <a:txBody>
+                    <a:bodyPr/>
+                    <a:lstStyle/>
+                    <a:p>
+                      <a:r>
+                        <a:rPr lang="en-GB" sz="1400">
+                          <a:solidFill>
+                            <a:srgbClr val="000000"/>
+                          </a:solidFill>
+                          <a:effectLst/>
+                          <a:latin typeface="+mn-lt"/>
+                        </a:rPr>
+                        <a:t>NULL</a:t>
+                      </a:r>
+                      <a:endParaRPr lang="en-GB" sz="1400">
+                        <a:effectLst/>
+                        <a:latin typeface="+mn-lt"/>
+                      </a:endParaRPr>
+                    </a:p>
+                  </a:txBody>
+                  <a:tcPr marL="11524" marR="11524" marT="11524" marB="11524">
+                    <a:lnL w="9525" cap="flat" cmpd="sng" algn="ctr">
+                      <a:solidFill>
+                        <a:srgbClr val="000000"/>
+                      </a:solidFill>
+                      <a:prstDash val="solid"/>
+                      <a:round/>
+                      <a:headEnd type="none" w="med" len="med"/>
+                      <a:tailEnd type="none" w="med" len="med"/>
+                    </a:lnL>
+                    <a:lnR w="9525" cap="flat" cmpd="sng" algn="ctr">
+                      <a:solidFill>
+                        <a:srgbClr val="000000"/>
+                      </a:solidFill>
+                      <a:prstDash val="solid"/>
+                      <a:round/>
+                      <a:headEnd type="none" w="med" len="med"/>
+                      <a:tailEnd type="none" w="med" len="med"/>
+                    </a:lnR>
+                    <a:lnT w="9525" cap="flat" cmpd="sng" algn="ctr">
+                      <a:solidFill>
+                        <a:srgbClr val="000000"/>
+                      </a:solidFill>
+                      <a:prstDash val="solid"/>
+                      <a:round/>
+                      <a:headEnd type="none" w="med" len="med"/>
+                      <a:tailEnd type="none" w="med" len="med"/>
+                    </a:lnT>
+                    <a:lnB w="9525" cap="flat" cmpd="sng" algn="ctr">
+                      <a:solidFill>
+                        <a:srgbClr val="000000"/>
+                      </a:solidFill>
+                      <a:prstDash val="solid"/>
+                      <a:round/>
+                      <a:headEnd type="none" w="med" len="med"/>
+                      <a:tailEnd type="none" w="med" len="med"/>
+                    </a:lnB>
+                  </a:tcPr>
+                </a:tc>
+                <a:extLst>
+                  <a:ext uri="{0D108BD9-81ED-4DB2-BD59-A6C34878D82A}">
+                    <a16:rowId xmlns:a16="http://schemas.microsoft.com/office/drawing/2014/main" val="634036010"/>
+                  </a:ext>
+                </a:extLst>
+              </a:tr>
+              <a:tr h="142130">
+                <a:tc>
+                  <a:txBody>
+                    <a:bodyPr/>
+                    <a:lstStyle/>
+                    <a:p>
+                      <a:r>
+                        <a:rPr lang="en-ES" sz="1400" b="1">
+                          <a:solidFill>
+                            <a:srgbClr val="000000"/>
+                          </a:solidFill>
+                          <a:effectLst/>
+                          <a:latin typeface="+mn-lt"/>
+                        </a:rPr>
+                        <a:t>12</a:t>
+                      </a:r>
+                      <a:endParaRPr lang="en-ES" sz="1400">
+                        <a:effectLst/>
+                        <a:latin typeface="+mn-lt"/>
+                      </a:endParaRPr>
+                    </a:p>
+                  </a:txBody>
+                  <a:tcPr marL="11524" marR="11524" marT="11524" marB="11524">
+                    <a:lnL w="9525" cap="flat" cmpd="sng" algn="ctr">
+                      <a:solidFill>
+                        <a:srgbClr val="000000"/>
+                      </a:solidFill>
+                      <a:prstDash val="solid"/>
+                      <a:round/>
+                      <a:headEnd type="none" w="med" len="med"/>
+                      <a:tailEnd type="none" w="med" len="med"/>
+                    </a:lnL>
+                    <a:lnR w="9525" cap="flat" cmpd="sng" algn="ctr">
+                      <a:solidFill>
+                        <a:srgbClr val="000000"/>
+                      </a:solidFill>
+                      <a:prstDash val="solid"/>
+                      <a:round/>
+                      <a:headEnd type="none" w="med" len="med"/>
+                      <a:tailEnd type="none" w="med" len="med"/>
+                    </a:lnR>
+                    <a:lnT w="9525" cap="flat" cmpd="sng" algn="ctr">
+                      <a:solidFill>
+                        <a:srgbClr val="000000"/>
+                      </a:solidFill>
+                      <a:prstDash val="solid"/>
+                      <a:round/>
+                      <a:headEnd type="none" w="med" len="med"/>
+                      <a:tailEnd type="none" w="med" len="med"/>
+                    </a:lnT>
+                    <a:lnB w="9525" cap="flat" cmpd="sng" algn="ctr">
+                      <a:solidFill>
+                        <a:srgbClr val="000000"/>
+                      </a:solidFill>
+                      <a:prstDash val="solid"/>
+                      <a:round/>
+                      <a:headEnd type="none" w="med" len="med"/>
+                      <a:tailEnd type="none" w="med" len="med"/>
+                    </a:lnB>
+                    <a:solidFill>
+                      <a:srgbClr val="D4D4D4"/>
+                    </a:solidFill>
+                  </a:tcPr>
+                </a:tc>
+                <a:tc>
+                  <a:txBody>
+                    <a:bodyPr/>
+                    <a:lstStyle/>
+                    <a:p>
+                      <a:r>
+                        <a:rPr lang="en-GB" sz="1400" dirty="0" err="1">
+                          <a:solidFill>
+                            <a:srgbClr val="000000"/>
+                          </a:solidFill>
+                          <a:effectLst/>
+                          <a:latin typeface="+mn-lt"/>
+                        </a:rPr>
+                        <a:t>Cama</a:t>
+                      </a:r>
+                      <a:r>
+                        <a:rPr lang="en-GB" sz="1400" dirty="0">
+                          <a:solidFill>
+                            <a:srgbClr val="000000"/>
+                          </a:solidFill>
+                          <a:effectLst/>
+                          <a:latin typeface="+mn-lt"/>
+                        </a:rPr>
+                        <a:t> </a:t>
+                      </a:r>
+                      <a:r>
+                        <a:rPr lang="en-GB" sz="1400" dirty="0" err="1">
+                          <a:solidFill>
+                            <a:srgbClr val="000000"/>
+                          </a:solidFill>
+                          <a:effectLst/>
+                          <a:latin typeface="+mn-lt"/>
+                        </a:rPr>
+                        <a:t>Infantil</a:t>
+                      </a:r>
+                      <a:endParaRPr lang="en-GB" sz="1400" dirty="0">
+                        <a:effectLst/>
+                        <a:latin typeface="+mn-lt"/>
+                      </a:endParaRPr>
+                    </a:p>
+                  </a:txBody>
+                  <a:tcPr marL="11524" marR="11524" marT="11524" marB="11524">
+                    <a:lnL w="9525" cap="flat" cmpd="sng" algn="ctr">
+                      <a:solidFill>
+                        <a:srgbClr val="000000"/>
+                      </a:solidFill>
+                      <a:prstDash val="solid"/>
+                      <a:round/>
+                      <a:headEnd type="none" w="med" len="med"/>
+                      <a:tailEnd type="none" w="med" len="med"/>
+                    </a:lnL>
+                    <a:lnR w="9525" cap="flat" cmpd="sng" algn="ctr">
+                      <a:solidFill>
+                        <a:srgbClr val="000000"/>
+                      </a:solidFill>
+                      <a:prstDash val="solid"/>
+                      <a:round/>
+                      <a:headEnd type="none" w="med" len="med"/>
+                      <a:tailEnd type="none" w="med" len="med"/>
+                    </a:lnR>
+                    <a:lnT w="9525" cap="flat" cmpd="sng" algn="ctr">
+                      <a:solidFill>
+                        <a:srgbClr val="000000"/>
+                      </a:solidFill>
+                      <a:prstDash val="solid"/>
+                      <a:round/>
+                      <a:headEnd type="none" w="med" len="med"/>
+                      <a:tailEnd type="none" w="med" len="med"/>
+                    </a:lnT>
+                    <a:lnB w="9525" cap="flat" cmpd="sng" algn="ctr">
+                      <a:solidFill>
+                        <a:srgbClr val="000000"/>
+                      </a:solidFill>
+                      <a:prstDash val="solid"/>
+                      <a:round/>
+                      <a:headEnd type="none" w="med" len="med"/>
+                      <a:tailEnd type="none" w="med" len="med"/>
+                    </a:lnB>
+                  </a:tcPr>
+                </a:tc>
+                <a:tc>
+                  <a:txBody>
+                    <a:bodyPr/>
+                    <a:lstStyle/>
+                    <a:p>
+                      <a:r>
+                        <a:rPr lang="en-ES" sz="1400">
+                          <a:solidFill>
+                            <a:srgbClr val="000000"/>
+                          </a:solidFill>
+                          <a:effectLst/>
+                          <a:latin typeface="+mn-lt"/>
+                        </a:rPr>
+                        <a:t>1500</a:t>
+                      </a:r>
+                      <a:endParaRPr lang="en-ES" sz="1400">
+                        <a:effectLst/>
+                        <a:latin typeface="+mn-lt"/>
+                      </a:endParaRPr>
+                    </a:p>
+                  </a:txBody>
+                  <a:tcPr marL="11524" marR="11524" marT="11524" marB="11524">
+                    <a:lnL w="9525" cap="flat" cmpd="sng" algn="ctr">
+                      <a:solidFill>
+                        <a:srgbClr val="000000"/>
+                      </a:solidFill>
+                      <a:prstDash val="solid"/>
+                      <a:round/>
+                      <a:headEnd type="none" w="med" len="med"/>
+                      <a:tailEnd type="none" w="med" len="med"/>
+                    </a:lnL>
+                    <a:lnR w="9525" cap="flat" cmpd="sng" algn="ctr">
+                      <a:solidFill>
+                        <a:srgbClr val="000000"/>
+                      </a:solidFill>
+                      <a:prstDash val="solid"/>
+                      <a:round/>
+                      <a:headEnd type="none" w="med" len="med"/>
+                      <a:tailEnd type="none" w="med" len="med"/>
+                    </a:lnR>
+                    <a:lnT w="9525" cap="flat" cmpd="sng" algn="ctr">
+                      <a:solidFill>
+                        <a:srgbClr val="000000"/>
+                      </a:solidFill>
+                      <a:prstDash val="solid"/>
+                      <a:round/>
+                      <a:headEnd type="none" w="med" len="med"/>
+                      <a:tailEnd type="none" w="med" len="med"/>
+                    </a:lnT>
+                    <a:lnB w="9525" cap="flat" cmpd="sng" algn="ctr">
+                      <a:solidFill>
+                        <a:srgbClr val="000000"/>
+                      </a:solidFill>
+                      <a:prstDash val="solid"/>
+                      <a:round/>
+                      <a:headEnd type="none" w="med" len="med"/>
+                      <a:tailEnd type="none" w="med" len="med"/>
+                    </a:lnB>
+                  </a:tcPr>
+                </a:tc>
+                <a:tc>
+                  <a:txBody>
+                    <a:bodyPr/>
+                    <a:lstStyle/>
+                    <a:p>
+                      <a:r>
+                        <a:rPr lang="en-GB" sz="1400">
+                          <a:solidFill>
+                            <a:srgbClr val="000000"/>
+                          </a:solidFill>
+                          <a:effectLst/>
+                          <a:latin typeface="+mn-lt"/>
+                        </a:rPr>
+                        <a:t>NULL</a:t>
+                      </a:r>
+                      <a:endParaRPr lang="en-GB" sz="1400">
+                        <a:effectLst/>
+                        <a:latin typeface="+mn-lt"/>
+                      </a:endParaRPr>
+                    </a:p>
+                  </a:txBody>
+                  <a:tcPr marL="11524" marR="11524" marT="11524" marB="11524">
+                    <a:lnL w="9525" cap="flat" cmpd="sng" algn="ctr">
+                      <a:solidFill>
+                        <a:srgbClr val="000000"/>
+                      </a:solidFill>
+                      <a:prstDash val="solid"/>
+                      <a:round/>
+                      <a:headEnd type="none" w="med" len="med"/>
+                      <a:tailEnd type="none" w="med" len="med"/>
+                    </a:lnL>
+                    <a:lnR w="9525" cap="flat" cmpd="sng" algn="ctr">
+                      <a:solidFill>
+                        <a:srgbClr val="000000"/>
+                      </a:solidFill>
+                      <a:prstDash val="solid"/>
+                      <a:round/>
+                      <a:headEnd type="none" w="med" len="med"/>
+                      <a:tailEnd type="none" w="med" len="med"/>
+                    </a:lnR>
+                    <a:lnT w="9525" cap="flat" cmpd="sng" algn="ctr">
+                      <a:solidFill>
+                        <a:srgbClr val="000000"/>
+                      </a:solidFill>
+                      <a:prstDash val="solid"/>
+                      <a:round/>
+                      <a:headEnd type="none" w="med" len="med"/>
+                      <a:tailEnd type="none" w="med" len="med"/>
+                    </a:lnT>
+                    <a:lnB w="9525" cap="flat" cmpd="sng" algn="ctr">
+                      <a:solidFill>
+                        <a:srgbClr val="000000"/>
+                      </a:solidFill>
+                      <a:prstDash val="solid"/>
+                      <a:round/>
+                      <a:headEnd type="none" w="med" len="med"/>
+                      <a:tailEnd type="none" w="med" len="med"/>
+                    </a:lnB>
+                  </a:tcPr>
+                </a:tc>
+                <a:extLst>
+                  <a:ext uri="{0D108BD9-81ED-4DB2-BD59-A6C34878D82A}">
+                    <a16:rowId xmlns:a16="http://schemas.microsoft.com/office/drawing/2014/main" val="4093385925"/>
+                  </a:ext>
+                </a:extLst>
+              </a:tr>
+              <a:tr h="142130">
+                <a:tc>
+                  <a:txBody>
+                    <a:bodyPr/>
+                    <a:lstStyle/>
+                    <a:p>
+                      <a:r>
+                        <a:rPr lang="en-ES" sz="1400" b="1">
+                          <a:solidFill>
+                            <a:srgbClr val="000000"/>
+                          </a:solidFill>
+                          <a:effectLst/>
+                          <a:latin typeface="+mn-lt"/>
+                        </a:rPr>
+                        <a:t>13</a:t>
+                      </a:r>
+                      <a:endParaRPr lang="en-ES" sz="1400">
+                        <a:effectLst/>
+                        <a:latin typeface="+mn-lt"/>
+                      </a:endParaRPr>
+                    </a:p>
+                  </a:txBody>
+                  <a:tcPr marL="11524" marR="11524" marT="11524" marB="11524">
+                    <a:lnL w="9525" cap="flat" cmpd="sng" algn="ctr">
+                      <a:solidFill>
+                        <a:srgbClr val="000000"/>
+                      </a:solidFill>
+                      <a:prstDash val="solid"/>
+                      <a:round/>
+                      <a:headEnd type="none" w="med" len="med"/>
+                      <a:tailEnd type="none" w="med" len="med"/>
+                    </a:lnL>
+                    <a:lnR w="9525" cap="flat" cmpd="sng" algn="ctr">
+                      <a:solidFill>
+                        <a:srgbClr val="000000"/>
+                      </a:solidFill>
+                      <a:prstDash val="solid"/>
+                      <a:round/>
+                      <a:headEnd type="none" w="med" len="med"/>
+                      <a:tailEnd type="none" w="med" len="med"/>
+                    </a:lnR>
+                    <a:lnT w="9525" cap="flat" cmpd="sng" algn="ctr">
+                      <a:solidFill>
+                        <a:srgbClr val="000000"/>
+                      </a:solidFill>
+                      <a:prstDash val="solid"/>
+                      <a:round/>
+                      <a:headEnd type="none" w="med" len="med"/>
+                      <a:tailEnd type="none" w="med" len="med"/>
+                    </a:lnT>
+                    <a:lnB w="9525" cap="flat" cmpd="sng" algn="ctr">
+                      <a:solidFill>
+                        <a:srgbClr val="000000"/>
+                      </a:solidFill>
+                      <a:prstDash val="solid"/>
+                      <a:round/>
+                      <a:headEnd type="none" w="med" len="med"/>
+                      <a:tailEnd type="none" w="med" len="med"/>
+                    </a:lnB>
+                    <a:solidFill>
+                      <a:srgbClr val="D4D4D4"/>
+                    </a:solidFill>
+                  </a:tcPr>
+                </a:tc>
+                <a:tc>
+                  <a:txBody>
+                    <a:bodyPr/>
+                    <a:lstStyle/>
+                    <a:p>
+                      <a:r>
+                        <a:rPr lang="en-GB" sz="1400" dirty="0" err="1">
+                          <a:solidFill>
+                            <a:srgbClr val="000000"/>
+                          </a:solidFill>
+                          <a:effectLst/>
+                          <a:latin typeface="+mn-lt"/>
+                        </a:rPr>
+                        <a:t>Conchon</a:t>
+                      </a:r>
+                      <a:endParaRPr lang="en-GB" sz="1400" dirty="0">
+                        <a:effectLst/>
+                        <a:latin typeface="+mn-lt"/>
+                      </a:endParaRPr>
+                    </a:p>
+                  </a:txBody>
+                  <a:tcPr marL="11524" marR="11524" marT="11524" marB="11524">
+                    <a:lnL w="9525" cap="flat" cmpd="sng" algn="ctr">
+                      <a:solidFill>
+                        <a:srgbClr val="000000"/>
+                      </a:solidFill>
+                      <a:prstDash val="solid"/>
+                      <a:round/>
+                      <a:headEnd type="none" w="med" len="med"/>
+                      <a:tailEnd type="none" w="med" len="med"/>
+                    </a:lnL>
+                    <a:lnR w="9525" cap="flat" cmpd="sng" algn="ctr">
+                      <a:solidFill>
+                        <a:srgbClr val="000000"/>
+                      </a:solidFill>
+                      <a:prstDash val="solid"/>
+                      <a:round/>
+                      <a:headEnd type="none" w="med" len="med"/>
+                      <a:tailEnd type="none" w="med" len="med"/>
+                    </a:lnR>
+                    <a:lnT w="9525" cap="flat" cmpd="sng" algn="ctr">
+                      <a:solidFill>
+                        <a:srgbClr val="000000"/>
+                      </a:solidFill>
+                      <a:prstDash val="solid"/>
+                      <a:round/>
+                      <a:headEnd type="none" w="med" len="med"/>
+                      <a:tailEnd type="none" w="med" len="med"/>
+                    </a:lnT>
+                    <a:lnB w="9525" cap="flat" cmpd="sng" algn="ctr">
+                      <a:solidFill>
+                        <a:srgbClr val="000000"/>
+                      </a:solidFill>
+                      <a:prstDash val="solid"/>
+                      <a:round/>
+                      <a:headEnd type="none" w="med" len="med"/>
+                      <a:tailEnd type="none" w="med" len="med"/>
+                    </a:lnB>
+                  </a:tcPr>
+                </a:tc>
+                <a:tc>
+                  <a:txBody>
+                    <a:bodyPr/>
+                    <a:lstStyle/>
+                    <a:p>
+                      <a:r>
+                        <a:rPr lang="en-ES" sz="1400">
+                          <a:solidFill>
+                            <a:srgbClr val="000000"/>
+                          </a:solidFill>
+                          <a:effectLst/>
+                          <a:latin typeface="+mn-lt"/>
+                        </a:rPr>
+                        <a:t>850</a:t>
+                      </a:r>
+                      <a:endParaRPr lang="en-ES" sz="1400">
+                        <a:effectLst/>
+                        <a:latin typeface="+mn-lt"/>
+                      </a:endParaRPr>
+                    </a:p>
+                  </a:txBody>
+                  <a:tcPr marL="11524" marR="11524" marT="11524" marB="11524">
+                    <a:lnL w="9525" cap="flat" cmpd="sng" algn="ctr">
+                      <a:solidFill>
+                        <a:srgbClr val="000000"/>
+                      </a:solidFill>
+                      <a:prstDash val="solid"/>
+                      <a:round/>
+                      <a:headEnd type="none" w="med" len="med"/>
+                      <a:tailEnd type="none" w="med" len="med"/>
+                    </a:lnL>
+                    <a:lnR w="9525" cap="flat" cmpd="sng" algn="ctr">
+                      <a:solidFill>
+                        <a:srgbClr val="000000"/>
+                      </a:solidFill>
+                      <a:prstDash val="solid"/>
+                      <a:round/>
+                      <a:headEnd type="none" w="med" len="med"/>
+                      <a:tailEnd type="none" w="med" len="med"/>
+                    </a:lnR>
+                    <a:lnT w="9525" cap="flat" cmpd="sng" algn="ctr">
+                      <a:solidFill>
+                        <a:srgbClr val="000000"/>
+                      </a:solidFill>
+                      <a:prstDash val="solid"/>
+                      <a:round/>
+                      <a:headEnd type="none" w="med" len="med"/>
+                      <a:tailEnd type="none" w="med" len="med"/>
+                    </a:lnT>
+                    <a:lnB w="9525" cap="flat" cmpd="sng" algn="ctr">
+                      <a:solidFill>
+                        <a:srgbClr val="000000"/>
+                      </a:solidFill>
+                      <a:prstDash val="solid"/>
+                      <a:round/>
+                      <a:headEnd type="none" w="med" len="med"/>
+                      <a:tailEnd type="none" w="med" len="med"/>
+                    </a:lnB>
+                  </a:tcPr>
+                </a:tc>
+                <a:tc>
+                  <a:txBody>
+                    <a:bodyPr/>
+                    <a:lstStyle/>
+                    <a:p>
+                      <a:r>
+                        <a:rPr lang="en-GB" sz="1400">
+                          <a:solidFill>
+                            <a:srgbClr val="000000"/>
+                          </a:solidFill>
+                          <a:effectLst/>
+                          <a:latin typeface="+mn-lt"/>
+                        </a:rPr>
+                        <a:t>NULL</a:t>
+                      </a:r>
+                      <a:endParaRPr lang="en-GB" sz="1400">
+                        <a:effectLst/>
+                        <a:latin typeface="+mn-lt"/>
+                      </a:endParaRPr>
+                    </a:p>
+                  </a:txBody>
+                  <a:tcPr marL="11524" marR="11524" marT="11524" marB="11524">
+                    <a:lnL w="9525" cap="flat" cmpd="sng" algn="ctr">
+                      <a:solidFill>
+                        <a:srgbClr val="000000"/>
+                      </a:solidFill>
+                      <a:prstDash val="solid"/>
+                      <a:round/>
+                      <a:headEnd type="none" w="med" len="med"/>
+                      <a:tailEnd type="none" w="med" len="med"/>
+                    </a:lnL>
+                    <a:lnR w="9525" cap="flat" cmpd="sng" algn="ctr">
+                      <a:solidFill>
+                        <a:srgbClr val="000000"/>
+                      </a:solidFill>
+                      <a:prstDash val="solid"/>
+                      <a:round/>
+                      <a:headEnd type="none" w="med" len="med"/>
+                      <a:tailEnd type="none" w="med" len="med"/>
+                    </a:lnR>
+                    <a:lnT w="9525" cap="flat" cmpd="sng" algn="ctr">
+                      <a:solidFill>
+                        <a:srgbClr val="000000"/>
+                      </a:solidFill>
+                      <a:prstDash val="solid"/>
+                      <a:round/>
+                      <a:headEnd type="none" w="med" len="med"/>
+                      <a:tailEnd type="none" w="med" len="med"/>
+                    </a:lnT>
+                    <a:lnB w="9525" cap="flat" cmpd="sng" algn="ctr">
+                      <a:solidFill>
+                        <a:srgbClr val="000000"/>
+                      </a:solidFill>
+                      <a:prstDash val="solid"/>
+                      <a:round/>
+                      <a:headEnd type="none" w="med" len="med"/>
+                      <a:tailEnd type="none" w="med" len="med"/>
+                    </a:lnB>
+                  </a:tcPr>
+                </a:tc>
+                <a:extLst>
+                  <a:ext uri="{0D108BD9-81ED-4DB2-BD59-A6C34878D82A}">
+                    <a16:rowId xmlns:a16="http://schemas.microsoft.com/office/drawing/2014/main" val="3790170897"/>
+                  </a:ext>
+                </a:extLst>
+              </a:tr>
+              <a:tr h="204530">
+                <a:tc>
+                  <a:txBody>
+                    <a:bodyPr/>
+                    <a:lstStyle/>
+                    <a:p>
+                      <a:r>
+                        <a:rPr lang="en-ES" sz="1400" b="1">
+                          <a:solidFill>
+                            <a:srgbClr val="000000"/>
+                          </a:solidFill>
+                          <a:effectLst/>
+                          <a:latin typeface="+mn-lt"/>
+                        </a:rPr>
+                        <a:t>14</a:t>
+                      </a:r>
+                      <a:endParaRPr lang="en-ES" sz="1400">
+                        <a:effectLst/>
+                        <a:latin typeface="+mn-lt"/>
+                      </a:endParaRPr>
+                    </a:p>
+                  </a:txBody>
+                  <a:tcPr marL="11524" marR="11524" marT="11524" marB="11524">
+                    <a:lnL w="9525" cap="flat" cmpd="sng" algn="ctr">
+                      <a:solidFill>
+                        <a:srgbClr val="000000"/>
+                      </a:solidFill>
+                      <a:prstDash val="solid"/>
+                      <a:round/>
+                      <a:headEnd type="none" w="med" len="med"/>
+                      <a:tailEnd type="none" w="med" len="med"/>
+                    </a:lnL>
+                    <a:lnR w="9525" cap="flat" cmpd="sng" algn="ctr">
+                      <a:solidFill>
+                        <a:srgbClr val="000000"/>
+                      </a:solidFill>
+                      <a:prstDash val="solid"/>
+                      <a:round/>
+                      <a:headEnd type="none" w="med" len="med"/>
+                      <a:tailEnd type="none" w="med" len="med"/>
+                    </a:lnR>
+                    <a:lnT w="9525" cap="flat" cmpd="sng" algn="ctr">
+                      <a:solidFill>
+                        <a:srgbClr val="000000"/>
+                      </a:solidFill>
+                      <a:prstDash val="solid"/>
+                      <a:round/>
+                      <a:headEnd type="none" w="med" len="med"/>
+                      <a:tailEnd type="none" w="med" len="med"/>
+                    </a:lnT>
+                    <a:lnB w="9525" cap="flat" cmpd="sng" algn="ctr">
+                      <a:solidFill>
+                        <a:srgbClr val="000000"/>
+                      </a:solidFill>
+                      <a:prstDash val="solid"/>
+                      <a:round/>
+                      <a:headEnd type="none" w="med" len="med"/>
+                      <a:tailEnd type="none" w="med" len="med"/>
+                    </a:lnB>
+                    <a:solidFill>
+                      <a:srgbClr val="D4D4D4"/>
+                    </a:solidFill>
+                  </a:tcPr>
+                </a:tc>
+                <a:tc>
+                  <a:txBody>
+                    <a:bodyPr/>
+                    <a:lstStyle/>
+                    <a:p>
+                      <a:r>
+                        <a:rPr lang="en-GB" sz="1400" dirty="0" err="1">
+                          <a:solidFill>
+                            <a:srgbClr val="000000"/>
+                          </a:solidFill>
+                          <a:effectLst/>
+                          <a:latin typeface="+mn-lt"/>
+                        </a:rPr>
+                        <a:t>Cojin</a:t>
+                      </a:r>
+                      <a:endParaRPr lang="en-GB" sz="1400" dirty="0">
+                        <a:effectLst/>
+                        <a:latin typeface="+mn-lt"/>
+                      </a:endParaRPr>
+                    </a:p>
+                  </a:txBody>
+                  <a:tcPr marL="11524" marR="11524" marT="11524" marB="11524">
+                    <a:lnL w="9525" cap="flat" cmpd="sng" algn="ctr">
+                      <a:solidFill>
+                        <a:srgbClr val="000000"/>
+                      </a:solidFill>
+                      <a:prstDash val="solid"/>
+                      <a:round/>
+                      <a:headEnd type="none" w="med" len="med"/>
+                      <a:tailEnd type="none" w="med" len="med"/>
+                    </a:lnL>
+                    <a:lnR w="9525" cap="flat" cmpd="sng" algn="ctr">
+                      <a:solidFill>
+                        <a:srgbClr val="000000"/>
+                      </a:solidFill>
+                      <a:prstDash val="solid"/>
+                      <a:round/>
+                      <a:headEnd type="none" w="med" len="med"/>
+                      <a:tailEnd type="none" w="med" len="med"/>
+                    </a:lnR>
+                    <a:lnT w="9525" cap="flat" cmpd="sng" algn="ctr">
+                      <a:solidFill>
+                        <a:srgbClr val="000000"/>
+                      </a:solidFill>
+                      <a:prstDash val="solid"/>
+                      <a:round/>
+                      <a:headEnd type="none" w="med" len="med"/>
+                      <a:tailEnd type="none" w="med" len="med"/>
+                    </a:lnT>
+                    <a:lnB w="9525" cap="flat" cmpd="sng" algn="ctr">
+                      <a:solidFill>
+                        <a:srgbClr val="000000"/>
+                      </a:solidFill>
+                      <a:prstDash val="solid"/>
+                      <a:round/>
+                      <a:headEnd type="none" w="med" len="med"/>
+                      <a:tailEnd type="none" w="med" len="med"/>
+                    </a:lnB>
+                  </a:tcPr>
+                </a:tc>
+                <a:tc>
+                  <a:txBody>
+                    <a:bodyPr/>
+                    <a:lstStyle/>
+                    <a:p>
+                      <a:r>
+                        <a:rPr lang="en-ES" sz="1400">
+                          <a:solidFill>
+                            <a:srgbClr val="000000"/>
+                          </a:solidFill>
+                          <a:effectLst/>
+                          <a:latin typeface="+mn-lt"/>
+                        </a:rPr>
+                        <a:t>53.99</a:t>
+                      </a:r>
+                      <a:endParaRPr lang="en-ES" sz="1400">
+                        <a:effectLst/>
+                        <a:latin typeface="+mn-lt"/>
+                      </a:endParaRPr>
+                    </a:p>
+                  </a:txBody>
+                  <a:tcPr marL="11524" marR="11524" marT="11524" marB="11524">
+                    <a:lnL w="9525" cap="flat" cmpd="sng" algn="ctr">
+                      <a:solidFill>
+                        <a:srgbClr val="000000"/>
+                      </a:solidFill>
+                      <a:prstDash val="solid"/>
+                      <a:round/>
+                      <a:headEnd type="none" w="med" len="med"/>
+                      <a:tailEnd type="none" w="med" len="med"/>
+                    </a:lnL>
+                    <a:lnR w="9525" cap="flat" cmpd="sng" algn="ctr">
+                      <a:solidFill>
+                        <a:srgbClr val="000000"/>
+                      </a:solidFill>
+                      <a:prstDash val="solid"/>
+                      <a:round/>
+                      <a:headEnd type="none" w="med" len="med"/>
+                      <a:tailEnd type="none" w="med" len="med"/>
+                    </a:lnR>
+                    <a:lnT w="9525" cap="flat" cmpd="sng" algn="ctr">
+                      <a:solidFill>
+                        <a:srgbClr val="000000"/>
+                      </a:solidFill>
+                      <a:prstDash val="solid"/>
+                      <a:round/>
+                      <a:headEnd type="none" w="med" len="med"/>
+                      <a:tailEnd type="none" w="med" len="med"/>
+                    </a:lnT>
+                    <a:lnB w="9525" cap="flat" cmpd="sng" algn="ctr">
+                      <a:solidFill>
+                        <a:srgbClr val="000000"/>
+                      </a:solidFill>
+                      <a:prstDash val="solid"/>
+                      <a:round/>
+                      <a:headEnd type="none" w="med" len="med"/>
+                      <a:tailEnd type="none" w="med" len="med"/>
+                    </a:lnB>
+                  </a:tcPr>
+                </a:tc>
+                <a:tc>
+                  <a:txBody>
+                    <a:bodyPr/>
+                    <a:lstStyle/>
+                    <a:p>
+                      <a:r>
+                        <a:rPr lang="en-GB" sz="1400">
+                          <a:solidFill>
+                            <a:srgbClr val="000000"/>
+                          </a:solidFill>
+                          <a:effectLst/>
+                          <a:latin typeface="+mn-lt"/>
+                        </a:rPr>
+                        <a:t>NULL</a:t>
+                      </a:r>
+                      <a:endParaRPr lang="en-GB" sz="1400">
+                        <a:effectLst/>
+                        <a:latin typeface="+mn-lt"/>
+                      </a:endParaRPr>
+                    </a:p>
+                  </a:txBody>
+                  <a:tcPr marL="11524" marR="11524" marT="11524" marB="11524">
+                    <a:lnL w="9525" cap="flat" cmpd="sng" algn="ctr">
+                      <a:solidFill>
+                        <a:srgbClr val="000000"/>
+                      </a:solidFill>
+                      <a:prstDash val="solid"/>
+                      <a:round/>
+                      <a:headEnd type="none" w="med" len="med"/>
+                      <a:tailEnd type="none" w="med" len="med"/>
+                    </a:lnL>
+                    <a:lnR w="9525" cap="flat" cmpd="sng" algn="ctr">
+                      <a:solidFill>
+                        <a:srgbClr val="000000"/>
+                      </a:solidFill>
+                      <a:prstDash val="solid"/>
+                      <a:round/>
+                      <a:headEnd type="none" w="med" len="med"/>
+                      <a:tailEnd type="none" w="med" len="med"/>
+                    </a:lnR>
+                    <a:lnT w="9525" cap="flat" cmpd="sng" algn="ctr">
+                      <a:solidFill>
+                        <a:srgbClr val="000000"/>
+                      </a:solidFill>
+                      <a:prstDash val="solid"/>
+                      <a:round/>
+                      <a:headEnd type="none" w="med" len="med"/>
+                      <a:tailEnd type="none" w="med" len="med"/>
+                    </a:lnT>
+                    <a:lnB w="9525" cap="flat" cmpd="sng" algn="ctr">
+                      <a:solidFill>
+                        <a:srgbClr val="000000"/>
+                      </a:solidFill>
+                      <a:prstDash val="solid"/>
+                      <a:round/>
+                      <a:headEnd type="none" w="med" len="med"/>
+                      <a:tailEnd type="none" w="med" len="med"/>
+                    </a:lnB>
+                  </a:tcPr>
+                </a:tc>
+                <a:extLst>
+                  <a:ext uri="{0D108BD9-81ED-4DB2-BD59-A6C34878D82A}">
+                    <a16:rowId xmlns:a16="http://schemas.microsoft.com/office/drawing/2014/main" val="3747745626"/>
+                  </a:ext>
+                </a:extLst>
+              </a:tr>
+              <a:tr h="142130">
+                <a:tc>
+                  <a:txBody>
+                    <a:bodyPr/>
+                    <a:lstStyle/>
+                    <a:p>
+                      <a:r>
+                        <a:rPr lang="en-ES" sz="1400" b="1">
+                          <a:solidFill>
+                            <a:srgbClr val="000000"/>
+                          </a:solidFill>
+                          <a:effectLst/>
+                          <a:latin typeface="+mn-lt"/>
+                        </a:rPr>
+                        <a:t>15</a:t>
+                      </a:r>
+                      <a:endParaRPr lang="en-ES" sz="1400">
+                        <a:effectLst/>
+                        <a:latin typeface="+mn-lt"/>
+                      </a:endParaRPr>
+                    </a:p>
+                  </a:txBody>
+                  <a:tcPr marL="11524" marR="11524" marT="11524" marB="11524">
+                    <a:lnL w="9525" cap="flat" cmpd="sng" algn="ctr">
+                      <a:solidFill>
+                        <a:srgbClr val="000000"/>
+                      </a:solidFill>
+                      <a:prstDash val="solid"/>
+                      <a:round/>
+                      <a:headEnd type="none" w="med" len="med"/>
+                      <a:tailEnd type="none" w="med" len="med"/>
+                    </a:lnL>
+                    <a:lnR w="9525" cap="flat" cmpd="sng" algn="ctr">
+                      <a:solidFill>
+                        <a:srgbClr val="000000"/>
+                      </a:solidFill>
+                      <a:prstDash val="solid"/>
+                      <a:round/>
+                      <a:headEnd type="none" w="med" len="med"/>
+                      <a:tailEnd type="none" w="med" len="med"/>
+                    </a:lnR>
+                    <a:lnT w="9525" cap="flat" cmpd="sng" algn="ctr">
+                      <a:solidFill>
+                        <a:srgbClr val="000000"/>
+                      </a:solidFill>
+                      <a:prstDash val="solid"/>
+                      <a:round/>
+                      <a:headEnd type="none" w="med" len="med"/>
+                      <a:tailEnd type="none" w="med" len="med"/>
+                    </a:lnT>
+                    <a:lnB w="9525" cap="flat" cmpd="sng" algn="ctr">
+                      <a:solidFill>
+                        <a:srgbClr val="000000"/>
+                      </a:solidFill>
+                      <a:prstDash val="solid"/>
+                      <a:round/>
+                      <a:headEnd type="none" w="med" len="med"/>
+                      <a:tailEnd type="none" w="med" len="med"/>
+                    </a:lnB>
+                    <a:solidFill>
+                      <a:srgbClr val="D4D4D4"/>
+                    </a:solidFill>
+                  </a:tcPr>
+                </a:tc>
+                <a:tc>
+                  <a:txBody>
+                    <a:bodyPr/>
+                    <a:lstStyle/>
+                    <a:p>
+                      <a:r>
+                        <a:rPr lang="en-GB" sz="1400" dirty="0" err="1">
+                          <a:solidFill>
+                            <a:srgbClr val="000000"/>
+                          </a:solidFill>
+                          <a:effectLst/>
+                          <a:latin typeface="+mn-lt"/>
+                        </a:rPr>
+                        <a:t>Zapatos</a:t>
+                      </a:r>
+                      <a:endParaRPr lang="en-GB" sz="1400" dirty="0">
+                        <a:effectLst/>
+                        <a:latin typeface="+mn-lt"/>
+                      </a:endParaRPr>
+                    </a:p>
+                  </a:txBody>
+                  <a:tcPr marL="11524" marR="11524" marT="11524" marB="11524">
+                    <a:lnL w="9525" cap="flat" cmpd="sng" algn="ctr">
+                      <a:solidFill>
+                        <a:srgbClr val="000000"/>
+                      </a:solidFill>
+                      <a:prstDash val="solid"/>
+                      <a:round/>
+                      <a:headEnd type="none" w="med" len="med"/>
+                      <a:tailEnd type="none" w="med" len="med"/>
+                    </a:lnL>
+                    <a:lnR w="9525" cap="flat" cmpd="sng" algn="ctr">
+                      <a:solidFill>
+                        <a:srgbClr val="000000"/>
+                      </a:solidFill>
+                      <a:prstDash val="solid"/>
+                      <a:round/>
+                      <a:headEnd type="none" w="med" len="med"/>
+                      <a:tailEnd type="none" w="med" len="med"/>
+                    </a:lnR>
+                    <a:lnT w="9525" cap="flat" cmpd="sng" algn="ctr">
+                      <a:solidFill>
+                        <a:srgbClr val="000000"/>
+                      </a:solidFill>
+                      <a:prstDash val="solid"/>
+                      <a:round/>
+                      <a:headEnd type="none" w="med" len="med"/>
+                      <a:tailEnd type="none" w="med" len="med"/>
+                    </a:lnT>
+                    <a:lnB w="9525" cap="flat" cmpd="sng" algn="ctr">
+                      <a:solidFill>
+                        <a:srgbClr val="000000"/>
+                      </a:solidFill>
+                      <a:prstDash val="solid"/>
+                      <a:round/>
+                      <a:headEnd type="none" w="med" len="med"/>
+                      <a:tailEnd type="none" w="med" len="med"/>
+                    </a:lnB>
+                  </a:tcPr>
+                </a:tc>
+                <a:tc>
+                  <a:txBody>
+                    <a:bodyPr/>
+                    <a:lstStyle/>
+                    <a:p>
+                      <a:r>
+                        <a:rPr lang="en-ES" sz="1400">
+                          <a:solidFill>
+                            <a:srgbClr val="000000"/>
+                          </a:solidFill>
+                          <a:effectLst/>
+                          <a:latin typeface="+mn-lt"/>
+                        </a:rPr>
+                        <a:t>80.5</a:t>
+                      </a:r>
+                      <a:endParaRPr lang="en-ES" sz="1400">
+                        <a:effectLst/>
+                        <a:latin typeface="+mn-lt"/>
+                      </a:endParaRPr>
+                    </a:p>
+                  </a:txBody>
+                  <a:tcPr marL="11524" marR="11524" marT="11524" marB="11524">
+                    <a:lnL w="9525" cap="flat" cmpd="sng" algn="ctr">
+                      <a:solidFill>
+                        <a:srgbClr val="000000"/>
+                      </a:solidFill>
+                      <a:prstDash val="solid"/>
+                      <a:round/>
+                      <a:headEnd type="none" w="med" len="med"/>
+                      <a:tailEnd type="none" w="med" len="med"/>
+                    </a:lnL>
+                    <a:lnR w="9525" cap="flat" cmpd="sng" algn="ctr">
+                      <a:solidFill>
+                        <a:srgbClr val="000000"/>
+                      </a:solidFill>
+                      <a:prstDash val="solid"/>
+                      <a:round/>
+                      <a:headEnd type="none" w="med" len="med"/>
+                      <a:tailEnd type="none" w="med" len="med"/>
+                    </a:lnR>
+                    <a:lnT w="9525" cap="flat" cmpd="sng" algn="ctr">
+                      <a:solidFill>
+                        <a:srgbClr val="000000"/>
+                      </a:solidFill>
+                      <a:prstDash val="solid"/>
+                      <a:round/>
+                      <a:headEnd type="none" w="med" len="med"/>
+                      <a:tailEnd type="none" w="med" len="med"/>
+                    </a:lnT>
+                    <a:lnB w="9525" cap="flat" cmpd="sng" algn="ctr">
+                      <a:solidFill>
+                        <a:srgbClr val="000000"/>
+                      </a:solidFill>
+                      <a:prstDash val="solid"/>
+                      <a:round/>
+                      <a:headEnd type="none" w="med" len="med"/>
+                      <a:tailEnd type="none" w="med" len="med"/>
+                    </a:lnB>
+                  </a:tcPr>
+                </a:tc>
+                <a:tc>
+                  <a:txBody>
+                    <a:bodyPr/>
+                    <a:lstStyle/>
+                    <a:p>
+                      <a:r>
+                        <a:rPr lang="en-GB" sz="1400">
+                          <a:solidFill>
+                            <a:srgbClr val="000000"/>
+                          </a:solidFill>
+                          <a:effectLst/>
+                          <a:latin typeface="+mn-lt"/>
+                        </a:rPr>
+                        <a:t>NULL</a:t>
+                      </a:r>
+                      <a:endParaRPr lang="en-GB" sz="1400">
+                        <a:effectLst/>
+                        <a:latin typeface="+mn-lt"/>
+                      </a:endParaRPr>
+                    </a:p>
+                  </a:txBody>
+                  <a:tcPr marL="11524" marR="11524" marT="11524" marB="11524">
+                    <a:lnL w="9525" cap="flat" cmpd="sng" algn="ctr">
+                      <a:solidFill>
+                        <a:srgbClr val="000000"/>
+                      </a:solidFill>
+                      <a:prstDash val="solid"/>
+                      <a:round/>
+                      <a:headEnd type="none" w="med" len="med"/>
+                      <a:tailEnd type="none" w="med" len="med"/>
+                    </a:lnL>
+                    <a:lnR w="9525" cap="flat" cmpd="sng" algn="ctr">
+                      <a:solidFill>
+                        <a:srgbClr val="000000"/>
+                      </a:solidFill>
+                      <a:prstDash val="solid"/>
+                      <a:round/>
+                      <a:headEnd type="none" w="med" len="med"/>
+                      <a:tailEnd type="none" w="med" len="med"/>
+                    </a:lnR>
+                    <a:lnT w="9525" cap="flat" cmpd="sng" algn="ctr">
+                      <a:solidFill>
+                        <a:srgbClr val="000000"/>
+                      </a:solidFill>
+                      <a:prstDash val="solid"/>
+                      <a:round/>
+                      <a:headEnd type="none" w="med" len="med"/>
+                      <a:tailEnd type="none" w="med" len="med"/>
+                    </a:lnT>
+                    <a:lnB w="9525" cap="flat" cmpd="sng" algn="ctr">
+                      <a:solidFill>
+                        <a:srgbClr val="000000"/>
+                      </a:solidFill>
+                      <a:prstDash val="solid"/>
+                      <a:round/>
+                      <a:headEnd type="none" w="med" len="med"/>
+                      <a:tailEnd type="none" w="med" len="med"/>
+                    </a:lnB>
+                  </a:tcPr>
+                </a:tc>
+                <a:extLst>
+                  <a:ext uri="{0D108BD9-81ED-4DB2-BD59-A6C34878D82A}">
+                    <a16:rowId xmlns:a16="http://schemas.microsoft.com/office/drawing/2014/main" val="2034737691"/>
+                  </a:ext>
+                </a:extLst>
+              </a:tr>
+              <a:tr h="142130">
+                <a:tc>
+                  <a:txBody>
+                    <a:bodyPr/>
+                    <a:lstStyle/>
+                    <a:p>
+                      <a:r>
+                        <a:rPr lang="en-ES" sz="1400" b="1">
+                          <a:solidFill>
+                            <a:srgbClr val="000000"/>
+                          </a:solidFill>
+                          <a:effectLst/>
+                          <a:latin typeface="+mn-lt"/>
+                        </a:rPr>
+                        <a:t>2</a:t>
+                      </a:r>
+                      <a:endParaRPr lang="en-ES" sz="1400">
+                        <a:effectLst/>
+                        <a:latin typeface="+mn-lt"/>
+                      </a:endParaRPr>
+                    </a:p>
+                  </a:txBody>
+                  <a:tcPr marL="11524" marR="11524" marT="11524" marB="11524">
+                    <a:lnL w="9525" cap="flat" cmpd="sng" algn="ctr">
+                      <a:solidFill>
+                        <a:srgbClr val="000000"/>
+                      </a:solidFill>
+                      <a:prstDash val="solid"/>
+                      <a:round/>
+                      <a:headEnd type="none" w="med" len="med"/>
+                      <a:tailEnd type="none" w="med" len="med"/>
+                    </a:lnL>
+                    <a:lnR w="9525" cap="flat" cmpd="sng" algn="ctr">
+                      <a:solidFill>
+                        <a:srgbClr val="000000"/>
+                      </a:solidFill>
+                      <a:prstDash val="solid"/>
+                      <a:round/>
+                      <a:headEnd type="none" w="med" len="med"/>
+                      <a:tailEnd type="none" w="med" len="med"/>
+                    </a:lnR>
+                    <a:lnT w="9525" cap="flat" cmpd="sng" algn="ctr">
+                      <a:solidFill>
+                        <a:srgbClr val="000000"/>
+                      </a:solidFill>
+                      <a:prstDash val="solid"/>
+                      <a:round/>
+                      <a:headEnd type="none" w="med" len="med"/>
+                      <a:tailEnd type="none" w="med" len="med"/>
+                    </a:lnT>
+                    <a:lnB w="9525" cap="flat" cmpd="sng" algn="ctr">
+                      <a:solidFill>
+                        <a:srgbClr val="000000"/>
+                      </a:solidFill>
+                      <a:prstDash val="solid"/>
+                      <a:round/>
+                      <a:headEnd type="none" w="med" len="med"/>
+                      <a:tailEnd type="none" w="med" len="med"/>
+                    </a:lnB>
+                    <a:solidFill>
+                      <a:srgbClr val="D4D4D4"/>
+                    </a:solidFill>
+                  </a:tcPr>
+                </a:tc>
+                <a:tc>
+                  <a:txBody>
+                    <a:bodyPr/>
+                    <a:lstStyle/>
+                    <a:p>
+                      <a:r>
+                        <a:rPr lang="en-GB" sz="1400">
+                          <a:solidFill>
+                            <a:srgbClr val="000000"/>
+                          </a:solidFill>
+                          <a:effectLst/>
+                          <a:latin typeface="+mn-lt"/>
+                        </a:rPr>
+                        <a:t>Camiseta</a:t>
+                      </a:r>
+                      <a:endParaRPr lang="en-GB" sz="1400">
+                        <a:effectLst/>
+                        <a:latin typeface="+mn-lt"/>
+                      </a:endParaRPr>
+                    </a:p>
+                  </a:txBody>
+                  <a:tcPr marL="11524" marR="11524" marT="11524" marB="11524">
+                    <a:lnL w="9525" cap="flat" cmpd="sng" algn="ctr">
+                      <a:solidFill>
+                        <a:srgbClr val="000000"/>
+                      </a:solidFill>
+                      <a:prstDash val="solid"/>
+                      <a:round/>
+                      <a:headEnd type="none" w="med" len="med"/>
+                      <a:tailEnd type="none" w="med" len="med"/>
+                    </a:lnL>
+                    <a:lnR w="9525" cap="flat" cmpd="sng" algn="ctr">
+                      <a:solidFill>
+                        <a:srgbClr val="000000"/>
+                      </a:solidFill>
+                      <a:prstDash val="solid"/>
+                      <a:round/>
+                      <a:headEnd type="none" w="med" len="med"/>
+                      <a:tailEnd type="none" w="med" len="med"/>
+                    </a:lnR>
+                    <a:lnT w="9525" cap="flat" cmpd="sng" algn="ctr">
+                      <a:solidFill>
+                        <a:srgbClr val="000000"/>
+                      </a:solidFill>
+                      <a:prstDash val="solid"/>
+                      <a:round/>
+                      <a:headEnd type="none" w="med" len="med"/>
+                      <a:tailEnd type="none" w="med" len="med"/>
+                    </a:lnT>
+                    <a:lnB w="9525" cap="flat" cmpd="sng" algn="ctr">
+                      <a:solidFill>
+                        <a:srgbClr val="000000"/>
+                      </a:solidFill>
+                      <a:prstDash val="solid"/>
+                      <a:round/>
+                      <a:headEnd type="none" w="med" len="med"/>
+                      <a:tailEnd type="none" w="med" len="med"/>
+                    </a:lnB>
+                  </a:tcPr>
+                </a:tc>
+                <a:tc>
+                  <a:txBody>
+                    <a:bodyPr/>
+                    <a:lstStyle/>
+                    <a:p>
+                      <a:r>
+                        <a:rPr lang="en-ES" sz="1400">
+                          <a:solidFill>
+                            <a:srgbClr val="000000"/>
+                          </a:solidFill>
+                          <a:effectLst/>
+                          <a:latin typeface="+mn-lt"/>
+                        </a:rPr>
+                        <a:t>15.2</a:t>
+                      </a:r>
+                      <a:endParaRPr lang="en-ES" sz="1400">
+                        <a:effectLst/>
+                        <a:latin typeface="+mn-lt"/>
+                      </a:endParaRPr>
+                    </a:p>
+                  </a:txBody>
+                  <a:tcPr marL="11524" marR="11524" marT="11524" marB="11524">
+                    <a:lnL w="9525" cap="flat" cmpd="sng" algn="ctr">
+                      <a:solidFill>
+                        <a:srgbClr val="000000"/>
+                      </a:solidFill>
+                      <a:prstDash val="solid"/>
+                      <a:round/>
+                      <a:headEnd type="none" w="med" len="med"/>
+                      <a:tailEnd type="none" w="med" len="med"/>
+                    </a:lnL>
+                    <a:lnR w="9525" cap="flat" cmpd="sng" algn="ctr">
+                      <a:solidFill>
+                        <a:srgbClr val="000000"/>
+                      </a:solidFill>
+                      <a:prstDash val="solid"/>
+                      <a:round/>
+                      <a:headEnd type="none" w="med" len="med"/>
+                      <a:tailEnd type="none" w="med" len="med"/>
+                    </a:lnR>
+                    <a:lnT w="9525" cap="flat" cmpd="sng" algn="ctr">
+                      <a:solidFill>
+                        <a:srgbClr val="000000"/>
+                      </a:solidFill>
+                      <a:prstDash val="solid"/>
+                      <a:round/>
+                      <a:headEnd type="none" w="med" len="med"/>
+                      <a:tailEnd type="none" w="med" len="med"/>
+                    </a:lnT>
+                    <a:lnB w="9525" cap="flat" cmpd="sng" algn="ctr">
+                      <a:solidFill>
+                        <a:srgbClr val="000000"/>
+                      </a:solidFill>
+                      <a:prstDash val="solid"/>
+                      <a:round/>
+                      <a:headEnd type="none" w="med" len="med"/>
+                      <a:tailEnd type="none" w="med" len="med"/>
+                    </a:lnB>
+                  </a:tcPr>
+                </a:tc>
+                <a:tc>
+                  <a:txBody>
+                    <a:bodyPr/>
+                    <a:lstStyle/>
+                    <a:p>
+                      <a:r>
+                        <a:rPr lang="en-GB" sz="1400">
+                          <a:solidFill>
+                            <a:srgbClr val="000000"/>
+                          </a:solidFill>
+                          <a:effectLst/>
+                          <a:latin typeface="+mn-lt"/>
+                        </a:rPr>
+                        <a:t>NULL</a:t>
+                      </a:r>
+                      <a:endParaRPr lang="en-GB" sz="1400">
+                        <a:effectLst/>
+                        <a:latin typeface="+mn-lt"/>
+                      </a:endParaRPr>
+                    </a:p>
+                  </a:txBody>
+                  <a:tcPr marL="11524" marR="11524" marT="11524" marB="11524">
+                    <a:lnL w="9525" cap="flat" cmpd="sng" algn="ctr">
+                      <a:solidFill>
+                        <a:srgbClr val="000000"/>
+                      </a:solidFill>
+                      <a:prstDash val="solid"/>
+                      <a:round/>
+                      <a:headEnd type="none" w="med" len="med"/>
+                      <a:tailEnd type="none" w="med" len="med"/>
+                    </a:lnL>
+                    <a:lnR w="9525" cap="flat" cmpd="sng" algn="ctr">
+                      <a:solidFill>
+                        <a:srgbClr val="000000"/>
+                      </a:solidFill>
+                      <a:prstDash val="solid"/>
+                      <a:round/>
+                      <a:headEnd type="none" w="med" len="med"/>
+                      <a:tailEnd type="none" w="med" len="med"/>
+                    </a:lnR>
+                    <a:lnT w="9525" cap="flat" cmpd="sng" algn="ctr">
+                      <a:solidFill>
+                        <a:srgbClr val="000000"/>
+                      </a:solidFill>
+                      <a:prstDash val="solid"/>
+                      <a:round/>
+                      <a:headEnd type="none" w="med" len="med"/>
+                      <a:tailEnd type="none" w="med" len="med"/>
+                    </a:lnT>
+                    <a:lnB w="9525" cap="flat" cmpd="sng" algn="ctr">
+                      <a:solidFill>
+                        <a:srgbClr val="000000"/>
+                      </a:solidFill>
+                      <a:prstDash val="solid"/>
+                      <a:round/>
+                      <a:headEnd type="none" w="med" len="med"/>
+                      <a:tailEnd type="none" w="med" len="med"/>
+                    </a:lnB>
+                  </a:tcPr>
+                </a:tc>
+                <a:extLst>
+                  <a:ext uri="{0D108BD9-81ED-4DB2-BD59-A6C34878D82A}">
+                    <a16:rowId xmlns:a16="http://schemas.microsoft.com/office/drawing/2014/main" val="1962949497"/>
+                  </a:ext>
+                </a:extLst>
+              </a:tr>
+              <a:tr h="266928">
+                <a:tc>
+                  <a:txBody>
+                    <a:bodyPr/>
+                    <a:lstStyle/>
+                    <a:p>
+                      <a:r>
+                        <a:rPr lang="en-ES" sz="1400" b="1">
+                          <a:solidFill>
+                            <a:srgbClr val="000000"/>
+                          </a:solidFill>
+                          <a:effectLst/>
+                          <a:latin typeface="+mn-lt"/>
+                        </a:rPr>
+                        <a:t>3</a:t>
+                      </a:r>
+                      <a:endParaRPr lang="en-ES" sz="1400">
+                        <a:effectLst/>
+                        <a:latin typeface="+mn-lt"/>
+                      </a:endParaRPr>
+                    </a:p>
+                  </a:txBody>
+                  <a:tcPr marL="11524" marR="11524" marT="11524" marB="11524">
+                    <a:lnL w="9525" cap="flat" cmpd="sng" algn="ctr">
+                      <a:solidFill>
+                        <a:srgbClr val="000000"/>
+                      </a:solidFill>
+                      <a:prstDash val="solid"/>
+                      <a:round/>
+                      <a:headEnd type="none" w="med" len="med"/>
+                      <a:tailEnd type="none" w="med" len="med"/>
+                    </a:lnL>
+                    <a:lnR w="9525" cap="flat" cmpd="sng" algn="ctr">
+                      <a:solidFill>
+                        <a:srgbClr val="000000"/>
+                      </a:solidFill>
+                      <a:prstDash val="solid"/>
+                      <a:round/>
+                      <a:headEnd type="none" w="med" len="med"/>
+                      <a:tailEnd type="none" w="med" len="med"/>
+                    </a:lnR>
+                    <a:lnT w="9525" cap="flat" cmpd="sng" algn="ctr">
+                      <a:solidFill>
+                        <a:srgbClr val="000000"/>
+                      </a:solidFill>
+                      <a:prstDash val="solid"/>
+                      <a:round/>
+                      <a:headEnd type="none" w="med" len="med"/>
+                      <a:tailEnd type="none" w="med" len="med"/>
+                    </a:lnT>
+                    <a:lnB w="9525" cap="flat" cmpd="sng" algn="ctr">
+                      <a:solidFill>
+                        <a:srgbClr val="000000"/>
+                      </a:solidFill>
+                      <a:prstDash val="solid"/>
+                      <a:round/>
+                      <a:headEnd type="none" w="med" len="med"/>
+                      <a:tailEnd type="none" w="med" len="med"/>
+                    </a:lnB>
+                    <a:solidFill>
+                      <a:srgbClr val="D4D4D4"/>
+                    </a:solidFill>
+                  </a:tcPr>
+                </a:tc>
+                <a:tc>
+                  <a:txBody>
+                    <a:bodyPr/>
+                    <a:lstStyle/>
+                    <a:p>
+                      <a:r>
+                        <a:rPr lang="en-GB" sz="1400">
+                          <a:solidFill>
+                            <a:srgbClr val="000000"/>
+                          </a:solidFill>
+                          <a:effectLst/>
+                          <a:latin typeface="+mn-lt"/>
+                        </a:rPr>
+                        <a:t>Mesa de escritorio</a:t>
+                      </a:r>
+                      <a:endParaRPr lang="en-GB" sz="1400">
+                        <a:effectLst/>
+                        <a:latin typeface="+mn-lt"/>
+                      </a:endParaRPr>
+                    </a:p>
+                  </a:txBody>
+                  <a:tcPr marL="11524" marR="11524" marT="11524" marB="11524">
+                    <a:lnL w="9525" cap="flat" cmpd="sng" algn="ctr">
+                      <a:solidFill>
+                        <a:srgbClr val="000000"/>
+                      </a:solidFill>
+                      <a:prstDash val="solid"/>
+                      <a:round/>
+                      <a:headEnd type="none" w="med" len="med"/>
+                      <a:tailEnd type="none" w="med" len="med"/>
+                    </a:lnL>
+                    <a:lnR w="9525" cap="flat" cmpd="sng" algn="ctr">
+                      <a:solidFill>
+                        <a:srgbClr val="000000"/>
+                      </a:solidFill>
+                      <a:prstDash val="solid"/>
+                      <a:round/>
+                      <a:headEnd type="none" w="med" len="med"/>
+                      <a:tailEnd type="none" w="med" len="med"/>
+                    </a:lnR>
+                    <a:lnT w="9525" cap="flat" cmpd="sng" algn="ctr">
+                      <a:solidFill>
+                        <a:srgbClr val="000000"/>
+                      </a:solidFill>
+                      <a:prstDash val="solid"/>
+                      <a:round/>
+                      <a:headEnd type="none" w="med" len="med"/>
+                      <a:tailEnd type="none" w="med" len="med"/>
+                    </a:lnT>
+                    <a:lnB w="9525" cap="flat" cmpd="sng" algn="ctr">
+                      <a:solidFill>
+                        <a:srgbClr val="000000"/>
+                      </a:solidFill>
+                      <a:prstDash val="solid"/>
+                      <a:round/>
+                      <a:headEnd type="none" w="med" len="med"/>
+                      <a:tailEnd type="none" w="med" len="med"/>
+                    </a:lnB>
+                  </a:tcPr>
+                </a:tc>
+                <a:tc>
+                  <a:txBody>
+                    <a:bodyPr/>
+                    <a:lstStyle/>
+                    <a:p>
+                      <a:r>
+                        <a:rPr lang="en-ES" sz="1400" dirty="0">
+                          <a:solidFill>
+                            <a:srgbClr val="000000"/>
+                          </a:solidFill>
+                          <a:effectLst/>
+                          <a:latin typeface="+mn-lt"/>
+                        </a:rPr>
+                        <a:t>120.5</a:t>
+                      </a:r>
+                      <a:endParaRPr lang="en-ES" sz="1400" dirty="0">
+                        <a:effectLst/>
+                        <a:latin typeface="+mn-lt"/>
+                      </a:endParaRPr>
+                    </a:p>
+                  </a:txBody>
+                  <a:tcPr marL="11524" marR="11524" marT="11524" marB="11524">
+                    <a:lnL w="9525" cap="flat" cmpd="sng" algn="ctr">
+                      <a:solidFill>
+                        <a:srgbClr val="000000"/>
+                      </a:solidFill>
+                      <a:prstDash val="solid"/>
+                      <a:round/>
+                      <a:headEnd type="none" w="med" len="med"/>
+                      <a:tailEnd type="none" w="med" len="med"/>
+                    </a:lnL>
+                    <a:lnR w="9525" cap="flat" cmpd="sng" algn="ctr">
+                      <a:solidFill>
+                        <a:srgbClr val="000000"/>
+                      </a:solidFill>
+                      <a:prstDash val="solid"/>
+                      <a:round/>
+                      <a:headEnd type="none" w="med" len="med"/>
+                      <a:tailEnd type="none" w="med" len="med"/>
+                    </a:lnR>
+                    <a:lnT w="9525" cap="flat" cmpd="sng" algn="ctr">
+                      <a:solidFill>
+                        <a:srgbClr val="000000"/>
+                      </a:solidFill>
+                      <a:prstDash val="solid"/>
+                      <a:round/>
+                      <a:headEnd type="none" w="med" len="med"/>
+                      <a:tailEnd type="none" w="med" len="med"/>
+                    </a:lnT>
+                    <a:lnB w="9525" cap="flat" cmpd="sng" algn="ctr">
+                      <a:solidFill>
+                        <a:srgbClr val="000000"/>
+                      </a:solidFill>
+                      <a:prstDash val="solid"/>
+                      <a:round/>
+                      <a:headEnd type="none" w="med" len="med"/>
+                      <a:tailEnd type="none" w="med" len="med"/>
+                    </a:lnB>
+                  </a:tcPr>
+                </a:tc>
+                <a:tc>
+                  <a:txBody>
+                    <a:bodyPr/>
+                    <a:lstStyle/>
+                    <a:p>
+                      <a:r>
+                        <a:rPr lang="en-GB" sz="1400">
+                          <a:solidFill>
+                            <a:srgbClr val="000000"/>
+                          </a:solidFill>
+                          <a:effectLst/>
+                          <a:latin typeface="+mn-lt"/>
+                        </a:rPr>
+                        <a:t>NULL</a:t>
+                      </a:r>
+                      <a:endParaRPr lang="en-GB" sz="1400">
+                        <a:effectLst/>
+                        <a:latin typeface="+mn-lt"/>
+                      </a:endParaRPr>
+                    </a:p>
+                  </a:txBody>
+                  <a:tcPr marL="11524" marR="11524" marT="11524" marB="11524">
+                    <a:lnL w="9525" cap="flat" cmpd="sng" algn="ctr">
+                      <a:solidFill>
+                        <a:srgbClr val="000000"/>
+                      </a:solidFill>
+                      <a:prstDash val="solid"/>
+                      <a:round/>
+                      <a:headEnd type="none" w="med" len="med"/>
+                      <a:tailEnd type="none" w="med" len="med"/>
+                    </a:lnL>
+                    <a:lnR w="9525" cap="flat" cmpd="sng" algn="ctr">
+                      <a:solidFill>
+                        <a:srgbClr val="000000"/>
+                      </a:solidFill>
+                      <a:prstDash val="solid"/>
+                      <a:round/>
+                      <a:headEnd type="none" w="med" len="med"/>
+                      <a:tailEnd type="none" w="med" len="med"/>
+                    </a:lnR>
+                    <a:lnT w="9525" cap="flat" cmpd="sng" algn="ctr">
+                      <a:solidFill>
+                        <a:srgbClr val="000000"/>
+                      </a:solidFill>
+                      <a:prstDash val="solid"/>
+                      <a:round/>
+                      <a:headEnd type="none" w="med" len="med"/>
+                      <a:tailEnd type="none" w="med" len="med"/>
+                    </a:lnT>
+                    <a:lnB w="9525" cap="flat" cmpd="sng" algn="ctr">
+                      <a:solidFill>
+                        <a:srgbClr val="000000"/>
+                      </a:solidFill>
+                      <a:prstDash val="solid"/>
+                      <a:round/>
+                      <a:headEnd type="none" w="med" len="med"/>
+                      <a:tailEnd type="none" w="med" len="med"/>
+                    </a:lnB>
+                  </a:tcPr>
+                </a:tc>
+                <a:extLst>
+                  <a:ext uri="{0D108BD9-81ED-4DB2-BD59-A6C34878D82A}">
+                    <a16:rowId xmlns:a16="http://schemas.microsoft.com/office/drawing/2014/main" val="983726618"/>
+                  </a:ext>
+                </a:extLst>
+              </a:tr>
+              <a:tr h="204530">
+                <a:tc>
+                  <a:txBody>
+                    <a:bodyPr/>
+                    <a:lstStyle/>
+                    <a:p>
+                      <a:r>
+                        <a:rPr lang="en-ES" sz="1400" b="1">
+                          <a:solidFill>
+                            <a:srgbClr val="000000"/>
+                          </a:solidFill>
+                          <a:effectLst/>
+                          <a:latin typeface="+mn-lt"/>
+                        </a:rPr>
+                        <a:t>4</a:t>
+                      </a:r>
+                      <a:endParaRPr lang="en-ES" sz="1400">
+                        <a:effectLst/>
+                        <a:latin typeface="+mn-lt"/>
+                      </a:endParaRPr>
+                    </a:p>
+                  </a:txBody>
+                  <a:tcPr marL="11524" marR="11524" marT="11524" marB="11524">
+                    <a:lnL w="9525" cap="flat" cmpd="sng" algn="ctr">
+                      <a:solidFill>
+                        <a:srgbClr val="000000"/>
+                      </a:solidFill>
+                      <a:prstDash val="solid"/>
+                      <a:round/>
+                      <a:headEnd type="none" w="med" len="med"/>
+                      <a:tailEnd type="none" w="med" len="med"/>
+                    </a:lnL>
+                    <a:lnR w="9525" cap="flat" cmpd="sng" algn="ctr">
+                      <a:solidFill>
+                        <a:srgbClr val="000000"/>
+                      </a:solidFill>
+                      <a:prstDash val="solid"/>
+                      <a:round/>
+                      <a:headEnd type="none" w="med" len="med"/>
+                      <a:tailEnd type="none" w="med" len="med"/>
+                    </a:lnR>
+                    <a:lnT w="9525" cap="flat" cmpd="sng" algn="ctr">
+                      <a:solidFill>
+                        <a:srgbClr val="000000"/>
+                      </a:solidFill>
+                      <a:prstDash val="solid"/>
+                      <a:round/>
+                      <a:headEnd type="none" w="med" len="med"/>
+                      <a:tailEnd type="none" w="med" len="med"/>
+                    </a:lnT>
+                    <a:lnB w="9525" cap="flat" cmpd="sng" algn="ctr">
+                      <a:solidFill>
+                        <a:srgbClr val="000000"/>
+                      </a:solidFill>
+                      <a:prstDash val="solid"/>
+                      <a:round/>
+                      <a:headEnd type="none" w="med" len="med"/>
+                      <a:tailEnd type="none" w="med" len="med"/>
+                    </a:lnB>
+                    <a:solidFill>
+                      <a:srgbClr val="D4D4D4"/>
+                    </a:solidFill>
+                  </a:tcPr>
+                </a:tc>
+                <a:tc>
+                  <a:txBody>
+                    <a:bodyPr/>
+                    <a:lstStyle/>
+                    <a:p>
+                      <a:r>
+                        <a:rPr lang="en-GB" sz="1400">
+                          <a:solidFill>
+                            <a:srgbClr val="000000"/>
+                          </a:solidFill>
+                          <a:effectLst/>
+                          <a:latin typeface="+mn-lt"/>
+                        </a:rPr>
+                        <a:t>TV Sony</a:t>
+                      </a:r>
+                      <a:endParaRPr lang="en-GB" sz="1400">
+                        <a:effectLst/>
+                        <a:latin typeface="+mn-lt"/>
+                      </a:endParaRPr>
+                    </a:p>
+                  </a:txBody>
+                  <a:tcPr marL="11524" marR="11524" marT="11524" marB="11524">
+                    <a:lnL w="9525" cap="flat" cmpd="sng" algn="ctr">
+                      <a:solidFill>
+                        <a:srgbClr val="000000"/>
+                      </a:solidFill>
+                      <a:prstDash val="solid"/>
+                      <a:round/>
+                      <a:headEnd type="none" w="med" len="med"/>
+                      <a:tailEnd type="none" w="med" len="med"/>
+                    </a:lnL>
+                    <a:lnR w="9525" cap="flat" cmpd="sng" algn="ctr">
+                      <a:solidFill>
+                        <a:srgbClr val="000000"/>
+                      </a:solidFill>
+                      <a:prstDash val="solid"/>
+                      <a:round/>
+                      <a:headEnd type="none" w="med" len="med"/>
+                      <a:tailEnd type="none" w="med" len="med"/>
+                    </a:lnR>
+                    <a:lnT w="9525" cap="flat" cmpd="sng" algn="ctr">
+                      <a:solidFill>
+                        <a:srgbClr val="000000"/>
+                      </a:solidFill>
+                      <a:prstDash val="solid"/>
+                      <a:round/>
+                      <a:headEnd type="none" w="med" len="med"/>
+                      <a:tailEnd type="none" w="med" len="med"/>
+                    </a:lnT>
+                    <a:lnB w="9525" cap="flat" cmpd="sng" algn="ctr">
+                      <a:solidFill>
+                        <a:srgbClr val="000000"/>
+                      </a:solidFill>
+                      <a:prstDash val="solid"/>
+                      <a:round/>
+                      <a:headEnd type="none" w="med" len="med"/>
+                      <a:tailEnd type="none" w="med" len="med"/>
+                    </a:lnB>
+                  </a:tcPr>
+                </a:tc>
+                <a:tc>
+                  <a:txBody>
+                    <a:bodyPr/>
+                    <a:lstStyle/>
+                    <a:p>
+                      <a:r>
+                        <a:rPr lang="en-ES" sz="1400" dirty="0">
+                          <a:solidFill>
+                            <a:srgbClr val="000000"/>
+                          </a:solidFill>
+                          <a:effectLst/>
+                          <a:latin typeface="+mn-lt"/>
+                        </a:rPr>
+                        <a:t>650.9</a:t>
+                      </a:r>
+                      <a:endParaRPr lang="en-ES" sz="1400" dirty="0">
+                        <a:effectLst/>
+                        <a:latin typeface="+mn-lt"/>
+                      </a:endParaRPr>
+                    </a:p>
+                  </a:txBody>
+                  <a:tcPr marL="11524" marR="11524" marT="11524" marB="11524">
+                    <a:lnL w="9525" cap="flat" cmpd="sng" algn="ctr">
+                      <a:solidFill>
+                        <a:srgbClr val="000000"/>
+                      </a:solidFill>
+                      <a:prstDash val="solid"/>
+                      <a:round/>
+                      <a:headEnd type="none" w="med" len="med"/>
+                      <a:tailEnd type="none" w="med" len="med"/>
+                    </a:lnL>
+                    <a:lnR w="9525" cap="flat" cmpd="sng" algn="ctr">
+                      <a:solidFill>
+                        <a:srgbClr val="000000"/>
+                      </a:solidFill>
+                      <a:prstDash val="solid"/>
+                      <a:round/>
+                      <a:headEnd type="none" w="med" len="med"/>
+                      <a:tailEnd type="none" w="med" len="med"/>
+                    </a:lnR>
+                    <a:lnT w="9525" cap="flat" cmpd="sng" algn="ctr">
+                      <a:solidFill>
+                        <a:srgbClr val="000000"/>
+                      </a:solidFill>
+                      <a:prstDash val="solid"/>
+                      <a:round/>
+                      <a:headEnd type="none" w="med" len="med"/>
+                      <a:tailEnd type="none" w="med" len="med"/>
+                    </a:lnT>
+                    <a:lnB w="9525" cap="flat" cmpd="sng" algn="ctr">
+                      <a:solidFill>
+                        <a:srgbClr val="000000"/>
+                      </a:solidFill>
+                      <a:prstDash val="solid"/>
+                      <a:round/>
+                      <a:headEnd type="none" w="med" len="med"/>
+                      <a:tailEnd type="none" w="med" len="med"/>
+                    </a:lnB>
+                  </a:tcPr>
+                </a:tc>
+                <a:tc>
+                  <a:txBody>
+                    <a:bodyPr/>
+                    <a:lstStyle/>
+                    <a:p>
+                      <a:r>
+                        <a:rPr lang="en-GB" sz="1400">
+                          <a:solidFill>
+                            <a:srgbClr val="000000"/>
+                          </a:solidFill>
+                          <a:effectLst/>
+                          <a:latin typeface="+mn-lt"/>
+                        </a:rPr>
+                        <a:t>NULL</a:t>
+                      </a:r>
+                      <a:endParaRPr lang="en-GB" sz="1400">
+                        <a:effectLst/>
+                        <a:latin typeface="+mn-lt"/>
+                      </a:endParaRPr>
+                    </a:p>
+                  </a:txBody>
+                  <a:tcPr marL="11524" marR="11524" marT="11524" marB="11524">
+                    <a:lnL w="9525" cap="flat" cmpd="sng" algn="ctr">
+                      <a:solidFill>
+                        <a:srgbClr val="000000"/>
+                      </a:solidFill>
+                      <a:prstDash val="solid"/>
+                      <a:round/>
+                      <a:headEnd type="none" w="med" len="med"/>
+                      <a:tailEnd type="none" w="med" len="med"/>
+                    </a:lnL>
+                    <a:lnR w="9525" cap="flat" cmpd="sng" algn="ctr">
+                      <a:solidFill>
+                        <a:srgbClr val="000000"/>
+                      </a:solidFill>
+                      <a:prstDash val="solid"/>
+                      <a:round/>
+                      <a:headEnd type="none" w="med" len="med"/>
+                      <a:tailEnd type="none" w="med" len="med"/>
+                    </a:lnR>
+                    <a:lnT w="9525" cap="flat" cmpd="sng" algn="ctr">
+                      <a:solidFill>
+                        <a:srgbClr val="000000"/>
+                      </a:solidFill>
+                      <a:prstDash val="solid"/>
+                      <a:round/>
+                      <a:headEnd type="none" w="med" len="med"/>
+                      <a:tailEnd type="none" w="med" len="med"/>
+                    </a:lnT>
+                    <a:lnB w="9525" cap="flat" cmpd="sng" algn="ctr">
+                      <a:solidFill>
+                        <a:srgbClr val="000000"/>
+                      </a:solidFill>
+                      <a:prstDash val="solid"/>
+                      <a:round/>
+                      <a:headEnd type="none" w="med" len="med"/>
+                      <a:tailEnd type="none" w="med" len="med"/>
+                    </a:lnB>
+                  </a:tcPr>
+                </a:tc>
+                <a:extLst>
+                  <a:ext uri="{0D108BD9-81ED-4DB2-BD59-A6C34878D82A}">
+                    <a16:rowId xmlns:a16="http://schemas.microsoft.com/office/drawing/2014/main" val="3439544460"/>
+                  </a:ext>
+                </a:extLst>
+              </a:tr>
+              <a:tr h="266928">
+                <a:tc>
+                  <a:txBody>
+                    <a:bodyPr/>
+                    <a:lstStyle/>
+                    <a:p>
+                      <a:r>
+                        <a:rPr lang="en-ES" sz="1400" b="1">
+                          <a:solidFill>
+                            <a:srgbClr val="000000"/>
+                          </a:solidFill>
+                          <a:effectLst/>
+                          <a:latin typeface="+mn-lt"/>
+                        </a:rPr>
+                        <a:t>5</a:t>
+                      </a:r>
+                      <a:endParaRPr lang="en-ES" sz="1400">
+                        <a:effectLst/>
+                        <a:latin typeface="+mn-lt"/>
+                      </a:endParaRPr>
+                    </a:p>
+                  </a:txBody>
+                  <a:tcPr marL="11524" marR="11524" marT="11524" marB="11524">
+                    <a:lnL w="9525" cap="flat" cmpd="sng" algn="ctr">
+                      <a:solidFill>
+                        <a:srgbClr val="000000"/>
+                      </a:solidFill>
+                      <a:prstDash val="solid"/>
+                      <a:round/>
+                      <a:headEnd type="none" w="med" len="med"/>
+                      <a:tailEnd type="none" w="med" len="med"/>
+                    </a:lnL>
+                    <a:lnR w="9525" cap="flat" cmpd="sng" algn="ctr">
+                      <a:solidFill>
+                        <a:srgbClr val="000000"/>
+                      </a:solidFill>
+                      <a:prstDash val="solid"/>
+                      <a:round/>
+                      <a:headEnd type="none" w="med" len="med"/>
+                      <a:tailEnd type="none" w="med" len="med"/>
+                    </a:lnR>
+                    <a:lnT w="9525" cap="flat" cmpd="sng" algn="ctr">
+                      <a:solidFill>
+                        <a:srgbClr val="000000"/>
+                      </a:solidFill>
+                      <a:prstDash val="solid"/>
+                      <a:round/>
+                      <a:headEnd type="none" w="med" len="med"/>
+                      <a:tailEnd type="none" w="med" len="med"/>
+                    </a:lnT>
+                    <a:lnB w="9525" cap="flat" cmpd="sng" algn="ctr">
+                      <a:solidFill>
+                        <a:srgbClr val="000000"/>
+                      </a:solidFill>
+                      <a:prstDash val="solid"/>
+                      <a:round/>
+                      <a:headEnd type="none" w="med" len="med"/>
+                      <a:tailEnd type="none" w="med" len="med"/>
+                    </a:lnB>
+                    <a:solidFill>
+                      <a:srgbClr val="D4D4D4"/>
+                    </a:solidFill>
+                  </a:tcPr>
+                </a:tc>
+                <a:tc>
+                  <a:txBody>
+                    <a:bodyPr/>
+                    <a:lstStyle/>
+                    <a:p>
+                      <a:r>
+                        <a:rPr lang="en-GB" sz="1400">
+                          <a:solidFill>
+                            <a:srgbClr val="000000"/>
+                          </a:solidFill>
+                          <a:effectLst/>
+                          <a:latin typeface="+mn-lt"/>
+                        </a:rPr>
+                        <a:t>Sofa</a:t>
+                      </a:r>
+                      <a:endParaRPr lang="en-GB" sz="1400">
+                        <a:effectLst/>
+                        <a:latin typeface="+mn-lt"/>
+                      </a:endParaRPr>
+                    </a:p>
+                  </a:txBody>
+                  <a:tcPr marL="11524" marR="11524" marT="11524" marB="11524">
+                    <a:lnL w="9525" cap="flat" cmpd="sng" algn="ctr">
+                      <a:solidFill>
+                        <a:srgbClr val="000000"/>
+                      </a:solidFill>
+                      <a:prstDash val="solid"/>
+                      <a:round/>
+                      <a:headEnd type="none" w="med" len="med"/>
+                      <a:tailEnd type="none" w="med" len="med"/>
+                    </a:lnL>
+                    <a:lnR w="9525" cap="flat" cmpd="sng" algn="ctr">
+                      <a:solidFill>
+                        <a:srgbClr val="000000"/>
+                      </a:solidFill>
+                      <a:prstDash val="solid"/>
+                      <a:round/>
+                      <a:headEnd type="none" w="med" len="med"/>
+                      <a:tailEnd type="none" w="med" len="med"/>
+                    </a:lnR>
+                    <a:lnT w="9525" cap="flat" cmpd="sng" algn="ctr">
+                      <a:solidFill>
+                        <a:srgbClr val="000000"/>
+                      </a:solidFill>
+                      <a:prstDash val="solid"/>
+                      <a:round/>
+                      <a:headEnd type="none" w="med" len="med"/>
+                      <a:tailEnd type="none" w="med" len="med"/>
+                    </a:lnT>
+                    <a:lnB w="9525" cap="flat" cmpd="sng" algn="ctr">
+                      <a:solidFill>
+                        <a:srgbClr val="000000"/>
+                      </a:solidFill>
+                      <a:prstDash val="solid"/>
+                      <a:round/>
+                      <a:headEnd type="none" w="med" len="med"/>
+                      <a:tailEnd type="none" w="med" len="med"/>
+                    </a:lnB>
+                  </a:tcPr>
+                </a:tc>
+                <a:tc>
+                  <a:txBody>
+                    <a:bodyPr/>
+                    <a:lstStyle/>
+                    <a:p>
+                      <a:r>
+                        <a:rPr lang="en-ES" sz="1400" dirty="0">
+                          <a:solidFill>
+                            <a:srgbClr val="000000"/>
+                          </a:solidFill>
+                          <a:effectLst/>
+                          <a:latin typeface="+mn-lt"/>
+                        </a:rPr>
+                        <a:t>1025.99</a:t>
+                      </a:r>
+                      <a:endParaRPr lang="en-ES" sz="1400" dirty="0">
+                        <a:effectLst/>
+                        <a:latin typeface="+mn-lt"/>
+                      </a:endParaRPr>
+                    </a:p>
+                  </a:txBody>
+                  <a:tcPr marL="11524" marR="11524" marT="11524" marB="11524">
+                    <a:lnL w="9525" cap="flat" cmpd="sng" algn="ctr">
+                      <a:solidFill>
+                        <a:srgbClr val="000000"/>
+                      </a:solidFill>
+                      <a:prstDash val="solid"/>
+                      <a:round/>
+                      <a:headEnd type="none" w="med" len="med"/>
+                      <a:tailEnd type="none" w="med" len="med"/>
+                    </a:lnL>
+                    <a:lnR w="9525" cap="flat" cmpd="sng" algn="ctr">
+                      <a:solidFill>
+                        <a:srgbClr val="000000"/>
+                      </a:solidFill>
+                      <a:prstDash val="solid"/>
+                      <a:round/>
+                      <a:headEnd type="none" w="med" len="med"/>
+                      <a:tailEnd type="none" w="med" len="med"/>
+                    </a:lnR>
+                    <a:lnT w="9525" cap="flat" cmpd="sng" algn="ctr">
+                      <a:solidFill>
+                        <a:srgbClr val="000000"/>
+                      </a:solidFill>
+                      <a:prstDash val="solid"/>
+                      <a:round/>
+                      <a:headEnd type="none" w="med" len="med"/>
+                      <a:tailEnd type="none" w="med" len="med"/>
+                    </a:lnT>
+                    <a:lnB w="9525" cap="flat" cmpd="sng" algn="ctr">
+                      <a:solidFill>
+                        <a:srgbClr val="000000"/>
+                      </a:solidFill>
+                      <a:prstDash val="solid"/>
+                      <a:round/>
+                      <a:headEnd type="none" w="med" len="med"/>
+                      <a:tailEnd type="none" w="med" len="med"/>
+                    </a:lnB>
+                  </a:tcPr>
+                </a:tc>
+                <a:tc>
+                  <a:txBody>
+                    <a:bodyPr/>
+                    <a:lstStyle/>
+                    <a:p>
+                      <a:r>
+                        <a:rPr lang="en-GB" sz="1400">
+                          <a:solidFill>
+                            <a:srgbClr val="000000"/>
+                          </a:solidFill>
+                          <a:effectLst/>
+                          <a:latin typeface="+mn-lt"/>
+                        </a:rPr>
+                        <a:t>NULL</a:t>
+                      </a:r>
+                      <a:endParaRPr lang="en-GB" sz="1400">
+                        <a:effectLst/>
+                        <a:latin typeface="+mn-lt"/>
+                      </a:endParaRPr>
+                    </a:p>
+                  </a:txBody>
+                  <a:tcPr marL="11524" marR="11524" marT="11524" marB="11524">
+                    <a:lnL w="9525" cap="flat" cmpd="sng" algn="ctr">
+                      <a:solidFill>
+                        <a:srgbClr val="000000"/>
+                      </a:solidFill>
+                      <a:prstDash val="solid"/>
+                      <a:round/>
+                      <a:headEnd type="none" w="med" len="med"/>
+                      <a:tailEnd type="none" w="med" len="med"/>
+                    </a:lnL>
+                    <a:lnR w="9525" cap="flat" cmpd="sng" algn="ctr">
+                      <a:solidFill>
+                        <a:srgbClr val="000000"/>
+                      </a:solidFill>
+                      <a:prstDash val="solid"/>
+                      <a:round/>
+                      <a:headEnd type="none" w="med" len="med"/>
+                      <a:tailEnd type="none" w="med" len="med"/>
+                    </a:lnR>
+                    <a:lnT w="9525" cap="flat" cmpd="sng" algn="ctr">
+                      <a:solidFill>
+                        <a:srgbClr val="000000"/>
+                      </a:solidFill>
+                      <a:prstDash val="solid"/>
+                      <a:round/>
+                      <a:headEnd type="none" w="med" len="med"/>
+                      <a:tailEnd type="none" w="med" len="med"/>
+                    </a:lnT>
+                    <a:lnB w="9525" cap="flat" cmpd="sng" algn="ctr">
+                      <a:solidFill>
+                        <a:srgbClr val="000000"/>
+                      </a:solidFill>
+                      <a:prstDash val="solid"/>
+                      <a:round/>
+                      <a:headEnd type="none" w="med" len="med"/>
+                      <a:tailEnd type="none" w="med" len="med"/>
+                    </a:lnB>
+                  </a:tcPr>
+                </a:tc>
+                <a:extLst>
+                  <a:ext uri="{0D108BD9-81ED-4DB2-BD59-A6C34878D82A}">
+                    <a16:rowId xmlns:a16="http://schemas.microsoft.com/office/drawing/2014/main" val="1237776977"/>
+                  </a:ext>
+                </a:extLst>
+              </a:tr>
+              <a:tr h="204530">
+                <a:tc>
+                  <a:txBody>
+                    <a:bodyPr/>
+                    <a:lstStyle/>
+                    <a:p>
+                      <a:r>
+                        <a:rPr lang="en-ES" sz="1400" b="1">
+                          <a:solidFill>
+                            <a:srgbClr val="000000"/>
+                          </a:solidFill>
+                          <a:effectLst/>
+                          <a:latin typeface="+mn-lt"/>
+                        </a:rPr>
+                        <a:t>6</a:t>
+                      </a:r>
+                      <a:endParaRPr lang="en-ES" sz="1400">
+                        <a:effectLst/>
+                        <a:latin typeface="+mn-lt"/>
+                      </a:endParaRPr>
+                    </a:p>
+                  </a:txBody>
+                  <a:tcPr marL="11524" marR="11524" marT="11524" marB="11524">
+                    <a:lnL w="9525" cap="flat" cmpd="sng" algn="ctr">
+                      <a:solidFill>
+                        <a:srgbClr val="000000"/>
+                      </a:solidFill>
+                      <a:prstDash val="solid"/>
+                      <a:round/>
+                      <a:headEnd type="none" w="med" len="med"/>
+                      <a:tailEnd type="none" w="med" len="med"/>
+                    </a:lnL>
+                    <a:lnR w="9525" cap="flat" cmpd="sng" algn="ctr">
+                      <a:solidFill>
+                        <a:srgbClr val="000000"/>
+                      </a:solidFill>
+                      <a:prstDash val="solid"/>
+                      <a:round/>
+                      <a:headEnd type="none" w="med" len="med"/>
+                      <a:tailEnd type="none" w="med" len="med"/>
+                    </a:lnR>
+                    <a:lnT w="9525" cap="flat" cmpd="sng" algn="ctr">
+                      <a:solidFill>
+                        <a:srgbClr val="000000"/>
+                      </a:solidFill>
+                      <a:prstDash val="solid"/>
+                      <a:round/>
+                      <a:headEnd type="none" w="med" len="med"/>
+                      <a:tailEnd type="none" w="med" len="med"/>
+                    </a:lnT>
+                    <a:lnB w="9525" cap="flat" cmpd="sng" algn="ctr">
+                      <a:solidFill>
+                        <a:srgbClr val="000000"/>
+                      </a:solidFill>
+                      <a:prstDash val="solid"/>
+                      <a:round/>
+                      <a:headEnd type="none" w="med" len="med"/>
+                      <a:tailEnd type="none" w="med" len="med"/>
+                    </a:lnB>
+                    <a:solidFill>
+                      <a:srgbClr val="D4D4D4"/>
+                    </a:solidFill>
+                  </a:tcPr>
+                </a:tc>
+                <a:tc>
+                  <a:txBody>
+                    <a:bodyPr/>
+                    <a:lstStyle/>
+                    <a:p>
+                      <a:r>
+                        <a:rPr lang="en-GB" sz="1400">
+                          <a:solidFill>
+                            <a:srgbClr val="000000"/>
+                          </a:solidFill>
+                          <a:effectLst/>
+                          <a:latin typeface="+mn-lt"/>
+                        </a:rPr>
+                        <a:t>Libreria</a:t>
+                      </a:r>
+                      <a:endParaRPr lang="en-GB" sz="1400">
+                        <a:effectLst/>
+                        <a:latin typeface="+mn-lt"/>
+                      </a:endParaRPr>
+                    </a:p>
+                  </a:txBody>
+                  <a:tcPr marL="11524" marR="11524" marT="11524" marB="11524">
+                    <a:lnL w="9525" cap="flat" cmpd="sng" algn="ctr">
+                      <a:solidFill>
+                        <a:srgbClr val="000000"/>
+                      </a:solidFill>
+                      <a:prstDash val="solid"/>
+                      <a:round/>
+                      <a:headEnd type="none" w="med" len="med"/>
+                      <a:tailEnd type="none" w="med" len="med"/>
+                    </a:lnL>
+                    <a:lnR w="9525" cap="flat" cmpd="sng" algn="ctr">
+                      <a:solidFill>
+                        <a:srgbClr val="000000"/>
+                      </a:solidFill>
+                      <a:prstDash val="solid"/>
+                      <a:round/>
+                      <a:headEnd type="none" w="med" len="med"/>
+                      <a:tailEnd type="none" w="med" len="med"/>
+                    </a:lnR>
+                    <a:lnT w="9525" cap="flat" cmpd="sng" algn="ctr">
+                      <a:solidFill>
+                        <a:srgbClr val="000000"/>
+                      </a:solidFill>
+                      <a:prstDash val="solid"/>
+                      <a:round/>
+                      <a:headEnd type="none" w="med" len="med"/>
+                      <a:tailEnd type="none" w="med" len="med"/>
+                    </a:lnT>
+                    <a:lnB w="9525" cap="flat" cmpd="sng" algn="ctr">
+                      <a:solidFill>
+                        <a:srgbClr val="000000"/>
+                      </a:solidFill>
+                      <a:prstDash val="solid"/>
+                      <a:round/>
+                      <a:headEnd type="none" w="med" len="med"/>
+                      <a:tailEnd type="none" w="med" len="med"/>
+                    </a:lnB>
+                  </a:tcPr>
+                </a:tc>
+                <a:tc>
+                  <a:txBody>
+                    <a:bodyPr/>
+                    <a:lstStyle/>
+                    <a:p>
+                      <a:r>
+                        <a:rPr lang="en-ES" sz="1400" dirty="0">
+                          <a:solidFill>
+                            <a:srgbClr val="000000"/>
+                          </a:solidFill>
+                          <a:effectLst/>
+                          <a:latin typeface="+mn-lt"/>
+                        </a:rPr>
+                        <a:t>550.2</a:t>
+                      </a:r>
+                      <a:endParaRPr lang="en-ES" sz="1400" dirty="0">
+                        <a:effectLst/>
+                        <a:latin typeface="+mn-lt"/>
+                      </a:endParaRPr>
+                    </a:p>
+                  </a:txBody>
+                  <a:tcPr marL="11524" marR="11524" marT="11524" marB="11524">
+                    <a:lnL w="9525" cap="flat" cmpd="sng" algn="ctr">
+                      <a:solidFill>
+                        <a:srgbClr val="000000"/>
+                      </a:solidFill>
+                      <a:prstDash val="solid"/>
+                      <a:round/>
+                      <a:headEnd type="none" w="med" len="med"/>
+                      <a:tailEnd type="none" w="med" len="med"/>
+                    </a:lnL>
+                    <a:lnR w="9525" cap="flat" cmpd="sng" algn="ctr">
+                      <a:solidFill>
+                        <a:srgbClr val="000000"/>
+                      </a:solidFill>
+                      <a:prstDash val="solid"/>
+                      <a:round/>
+                      <a:headEnd type="none" w="med" len="med"/>
+                      <a:tailEnd type="none" w="med" len="med"/>
+                    </a:lnR>
+                    <a:lnT w="9525" cap="flat" cmpd="sng" algn="ctr">
+                      <a:solidFill>
+                        <a:srgbClr val="000000"/>
+                      </a:solidFill>
+                      <a:prstDash val="solid"/>
+                      <a:round/>
+                      <a:headEnd type="none" w="med" len="med"/>
+                      <a:tailEnd type="none" w="med" len="med"/>
+                    </a:lnT>
+                    <a:lnB w="9525" cap="flat" cmpd="sng" algn="ctr">
+                      <a:solidFill>
+                        <a:srgbClr val="000000"/>
+                      </a:solidFill>
+                      <a:prstDash val="solid"/>
+                      <a:round/>
+                      <a:headEnd type="none" w="med" len="med"/>
+                      <a:tailEnd type="none" w="med" len="med"/>
+                    </a:lnB>
+                  </a:tcPr>
+                </a:tc>
+                <a:tc>
+                  <a:txBody>
+                    <a:bodyPr/>
+                    <a:lstStyle/>
+                    <a:p>
+                      <a:r>
+                        <a:rPr lang="en-GB" sz="1400" dirty="0">
+                          <a:solidFill>
+                            <a:srgbClr val="000000"/>
+                          </a:solidFill>
+                          <a:effectLst/>
+                          <a:latin typeface="+mn-lt"/>
+                        </a:rPr>
+                        <a:t>NULL</a:t>
+                      </a:r>
+                      <a:endParaRPr lang="en-GB" sz="1400" dirty="0">
+                        <a:effectLst/>
+                        <a:latin typeface="+mn-lt"/>
+                      </a:endParaRPr>
+                    </a:p>
+                  </a:txBody>
+                  <a:tcPr marL="11524" marR="11524" marT="11524" marB="11524">
+                    <a:lnL w="9525" cap="flat" cmpd="sng" algn="ctr">
+                      <a:solidFill>
+                        <a:srgbClr val="000000"/>
+                      </a:solidFill>
+                      <a:prstDash val="solid"/>
+                      <a:round/>
+                      <a:headEnd type="none" w="med" len="med"/>
+                      <a:tailEnd type="none" w="med" len="med"/>
+                    </a:lnL>
+                    <a:lnR w="9525" cap="flat" cmpd="sng" algn="ctr">
+                      <a:solidFill>
+                        <a:srgbClr val="000000"/>
+                      </a:solidFill>
+                      <a:prstDash val="solid"/>
+                      <a:round/>
+                      <a:headEnd type="none" w="med" len="med"/>
+                      <a:tailEnd type="none" w="med" len="med"/>
+                    </a:lnR>
+                    <a:lnT w="9525" cap="flat" cmpd="sng" algn="ctr">
+                      <a:solidFill>
+                        <a:srgbClr val="000000"/>
+                      </a:solidFill>
+                      <a:prstDash val="solid"/>
+                      <a:round/>
+                      <a:headEnd type="none" w="med" len="med"/>
+                      <a:tailEnd type="none" w="med" len="med"/>
+                    </a:lnT>
+                    <a:lnB w="9525" cap="flat" cmpd="sng" algn="ctr">
+                      <a:solidFill>
+                        <a:srgbClr val="000000"/>
+                      </a:solidFill>
+                      <a:prstDash val="solid"/>
+                      <a:round/>
+                      <a:headEnd type="none" w="med" len="med"/>
+                      <a:tailEnd type="none" w="med" len="med"/>
+                    </a:lnB>
+                  </a:tcPr>
+                </a:tc>
+                <a:extLst>
+                  <a:ext uri="{0D108BD9-81ED-4DB2-BD59-A6C34878D82A}">
+                    <a16:rowId xmlns:a16="http://schemas.microsoft.com/office/drawing/2014/main" val="3083088489"/>
+                  </a:ext>
+                </a:extLst>
+              </a:tr>
+              <a:tr h="204530">
+                <a:tc>
+                  <a:txBody>
+                    <a:bodyPr/>
+                    <a:lstStyle/>
+                    <a:p>
+                      <a:r>
+                        <a:rPr lang="en-ES" sz="1400" b="1">
+                          <a:solidFill>
+                            <a:srgbClr val="000000"/>
+                          </a:solidFill>
+                          <a:effectLst/>
+                          <a:latin typeface="+mn-lt"/>
+                        </a:rPr>
+                        <a:t>7</a:t>
+                      </a:r>
+                      <a:endParaRPr lang="en-ES" sz="1400">
+                        <a:effectLst/>
+                        <a:latin typeface="+mn-lt"/>
+                      </a:endParaRPr>
+                    </a:p>
+                  </a:txBody>
+                  <a:tcPr marL="11524" marR="11524" marT="11524" marB="11524">
+                    <a:lnL w="9525" cap="flat" cmpd="sng" algn="ctr">
+                      <a:solidFill>
+                        <a:srgbClr val="000000"/>
+                      </a:solidFill>
+                      <a:prstDash val="solid"/>
+                      <a:round/>
+                      <a:headEnd type="none" w="med" len="med"/>
+                      <a:tailEnd type="none" w="med" len="med"/>
+                    </a:lnL>
+                    <a:lnR w="9525" cap="flat" cmpd="sng" algn="ctr">
+                      <a:solidFill>
+                        <a:srgbClr val="000000"/>
+                      </a:solidFill>
+                      <a:prstDash val="solid"/>
+                      <a:round/>
+                      <a:headEnd type="none" w="med" len="med"/>
+                      <a:tailEnd type="none" w="med" len="med"/>
+                    </a:lnR>
+                    <a:lnT w="9525" cap="flat" cmpd="sng" algn="ctr">
+                      <a:solidFill>
+                        <a:srgbClr val="000000"/>
+                      </a:solidFill>
+                      <a:prstDash val="solid"/>
+                      <a:round/>
+                      <a:headEnd type="none" w="med" len="med"/>
+                      <a:tailEnd type="none" w="med" len="med"/>
+                    </a:lnT>
+                    <a:lnB w="9525" cap="flat" cmpd="sng" algn="ctr">
+                      <a:solidFill>
+                        <a:srgbClr val="000000"/>
+                      </a:solidFill>
+                      <a:prstDash val="solid"/>
+                      <a:round/>
+                      <a:headEnd type="none" w="med" len="med"/>
+                      <a:tailEnd type="none" w="med" len="med"/>
+                    </a:lnB>
+                    <a:solidFill>
+                      <a:srgbClr val="D4D4D4"/>
+                    </a:solidFill>
+                  </a:tcPr>
+                </a:tc>
+                <a:tc>
+                  <a:txBody>
+                    <a:bodyPr/>
+                    <a:lstStyle/>
+                    <a:p>
+                      <a:r>
+                        <a:rPr lang="en-GB" sz="1400">
+                          <a:solidFill>
+                            <a:srgbClr val="000000"/>
+                          </a:solidFill>
+                          <a:effectLst/>
+                          <a:latin typeface="+mn-lt"/>
+                        </a:rPr>
+                        <a:t>movil</a:t>
+                      </a:r>
+                      <a:endParaRPr lang="en-GB" sz="1400">
+                        <a:effectLst/>
+                        <a:latin typeface="+mn-lt"/>
+                      </a:endParaRPr>
+                    </a:p>
+                  </a:txBody>
+                  <a:tcPr marL="11524" marR="11524" marT="11524" marB="11524">
+                    <a:lnL w="9525" cap="flat" cmpd="sng" algn="ctr">
+                      <a:solidFill>
+                        <a:srgbClr val="000000"/>
+                      </a:solidFill>
+                      <a:prstDash val="solid"/>
+                      <a:round/>
+                      <a:headEnd type="none" w="med" len="med"/>
+                      <a:tailEnd type="none" w="med" len="med"/>
+                    </a:lnL>
+                    <a:lnR w="9525" cap="flat" cmpd="sng" algn="ctr">
+                      <a:solidFill>
+                        <a:srgbClr val="000000"/>
+                      </a:solidFill>
+                      <a:prstDash val="solid"/>
+                      <a:round/>
+                      <a:headEnd type="none" w="med" len="med"/>
+                      <a:tailEnd type="none" w="med" len="med"/>
+                    </a:lnR>
+                    <a:lnT w="9525" cap="flat" cmpd="sng" algn="ctr">
+                      <a:solidFill>
+                        <a:srgbClr val="000000"/>
+                      </a:solidFill>
+                      <a:prstDash val="solid"/>
+                      <a:round/>
+                      <a:headEnd type="none" w="med" len="med"/>
+                      <a:tailEnd type="none" w="med" len="med"/>
+                    </a:lnT>
+                    <a:lnB w="9525" cap="flat" cmpd="sng" algn="ctr">
+                      <a:solidFill>
+                        <a:srgbClr val="000000"/>
+                      </a:solidFill>
+                      <a:prstDash val="solid"/>
+                      <a:round/>
+                      <a:headEnd type="none" w="med" len="med"/>
+                      <a:tailEnd type="none" w="med" len="med"/>
+                    </a:lnB>
+                  </a:tcPr>
+                </a:tc>
+                <a:tc>
+                  <a:txBody>
+                    <a:bodyPr/>
+                    <a:lstStyle/>
+                    <a:p>
+                      <a:r>
+                        <a:rPr lang="en-ES" sz="1400">
+                          <a:solidFill>
+                            <a:srgbClr val="000000"/>
+                          </a:solidFill>
+                          <a:effectLst/>
+                          <a:latin typeface="+mn-lt"/>
+                        </a:rPr>
+                        <a:t>995.5</a:t>
+                      </a:r>
+                      <a:endParaRPr lang="en-ES" sz="1400">
+                        <a:effectLst/>
+                        <a:latin typeface="+mn-lt"/>
+                      </a:endParaRPr>
+                    </a:p>
+                  </a:txBody>
+                  <a:tcPr marL="11524" marR="11524" marT="11524" marB="11524">
+                    <a:lnL w="9525" cap="flat" cmpd="sng" algn="ctr">
+                      <a:solidFill>
+                        <a:srgbClr val="000000"/>
+                      </a:solidFill>
+                      <a:prstDash val="solid"/>
+                      <a:round/>
+                      <a:headEnd type="none" w="med" len="med"/>
+                      <a:tailEnd type="none" w="med" len="med"/>
+                    </a:lnL>
+                    <a:lnR w="9525" cap="flat" cmpd="sng" algn="ctr">
+                      <a:solidFill>
+                        <a:srgbClr val="000000"/>
+                      </a:solidFill>
+                      <a:prstDash val="solid"/>
+                      <a:round/>
+                      <a:headEnd type="none" w="med" len="med"/>
+                      <a:tailEnd type="none" w="med" len="med"/>
+                    </a:lnR>
+                    <a:lnT w="9525" cap="flat" cmpd="sng" algn="ctr">
+                      <a:solidFill>
+                        <a:srgbClr val="000000"/>
+                      </a:solidFill>
+                      <a:prstDash val="solid"/>
+                      <a:round/>
+                      <a:headEnd type="none" w="med" len="med"/>
+                      <a:tailEnd type="none" w="med" len="med"/>
+                    </a:lnT>
+                    <a:lnB w="9525" cap="flat" cmpd="sng" algn="ctr">
+                      <a:solidFill>
+                        <a:srgbClr val="000000"/>
+                      </a:solidFill>
+                      <a:prstDash val="solid"/>
+                      <a:round/>
+                      <a:headEnd type="none" w="med" len="med"/>
+                      <a:tailEnd type="none" w="med" len="med"/>
+                    </a:lnB>
+                  </a:tcPr>
+                </a:tc>
+                <a:tc>
+                  <a:txBody>
+                    <a:bodyPr/>
+                    <a:lstStyle/>
+                    <a:p>
+                      <a:r>
+                        <a:rPr lang="en-GB" sz="1400" dirty="0">
+                          <a:solidFill>
+                            <a:srgbClr val="000000"/>
+                          </a:solidFill>
+                          <a:effectLst/>
+                          <a:latin typeface="+mn-lt"/>
+                        </a:rPr>
+                        <a:t>NULL</a:t>
+                      </a:r>
+                      <a:endParaRPr lang="en-GB" sz="1400" dirty="0">
+                        <a:effectLst/>
+                        <a:latin typeface="+mn-lt"/>
+                      </a:endParaRPr>
+                    </a:p>
+                  </a:txBody>
+                  <a:tcPr marL="11524" marR="11524" marT="11524" marB="11524">
+                    <a:lnL w="9525" cap="flat" cmpd="sng" algn="ctr">
+                      <a:solidFill>
+                        <a:srgbClr val="000000"/>
+                      </a:solidFill>
+                      <a:prstDash val="solid"/>
+                      <a:round/>
+                      <a:headEnd type="none" w="med" len="med"/>
+                      <a:tailEnd type="none" w="med" len="med"/>
+                    </a:lnL>
+                    <a:lnR w="9525" cap="flat" cmpd="sng" algn="ctr">
+                      <a:solidFill>
+                        <a:srgbClr val="000000"/>
+                      </a:solidFill>
+                      <a:prstDash val="solid"/>
+                      <a:round/>
+                      <a:headEnd type="none" w="med" len="med"/>
+                      <a:tailEnd type="none" w="med" len="med"/>
+                    </a:lnR>
+                    <a:lnT w="9525" cap="flat" cmpd="sng" algn="ctr">
+                      <a:solidFill>
+                        <a:srgbClr val="000000"/>
+                      </a:solidFill>
+                      <a:prstDash val="solid"/>
+                      <a:round/>
+                      <a:headEnd type="none" w="med" len="med"/>
+                      <a:tailEnd type="none" w="med" len="med"/>
+                    </a:lnT>
+                    <a:lnB w="9525" cap="flat" cmpd="sng" algn="ctr">
+                      <a:solidFill>
+                        <a:srgbClr val="000000"/>
+                      </a:solidFill>
+                      <a:prstDash val="solid"/>
+                      <a:round/>
+                      <a:headEnd type="none" w="med" len="med"/>
+                      <a:tailEnd type="none" w="med" len="med"/>
+                    </a:lnB>
+                  </a:tcPr>
+                </a:tc>
+                <a:extLst>
+                  <a:ext uri="{0D108BD9-81ED-4DB2-BD59-A6C34878D82A}">
+                    <a16:rowId xmlns:a16="http://schemas.microsoft.com/office/drawing/2014/main" val="3400523380"/>
+                  </a:ext>
+                </a:extLst>
+              </a:tr>
+              <a:tr h="266928">
+                <a:tc>
+                  <a:txBody>
+                    <a:bodyPr/>
+                    <a:lstStyle/>
+                    <a:p>
+                      <a:r>
+                        <a:rPr lang="en-ES" sz="1400" b="1">
+                          <a:solidFill>
+                            <a:srgbClr val="000000"/>
+                          </a:solidFill>
+                          <a:effectLst/>
+                          <a:latin typeface="+mn-lt"/>
+                        </a:rPr>
+                        <a:t>8</a:t>
+                      </a:r>
+                      <a:endParaRPr lang="en-ES" sz="1400">
+                        <a:effectLst/>
+                        <a:latin typeface="+mn-lt"/>
+                      </a:endParaRPr>
+                    </a:p>
+                  </a:txBody>
+                  <a:tcPr marL="11524" marR="11524" marT="11524" marB="11524">
+                    <a:lnL w="9525" cap="flat" cmpd="sng" algn="ctr">
+                      <a:solidFill>
+                        <a:srgbClr val="000000"/>
+                      </a:solidFill>
+                      <a:prstDash val="solid"/>
+                      <a:round/>
+                      <a:headEnd type="none" w="med" len="med"/>
+                      <a:tailEnd type="none" w="med" len="med"/>
+                    </a:lnL>
+                    <a:lnR w="9525" cap="flat" cmpd="sng" algn="ctr">
+                      <a:solidFill>
+                        <a:srgbClr val="000000"/>
+                      </a:solidFill>
+                      <a:prstDash val="solid"/>
+                      <a:round/>
+                      <a:headEnd type="none" w="med" len="med"/>
+                      <a:tailEnd type="none" w="med" len="med"/>
+                    </a:lnR>
+                    <a:lnT w="9525" cap="flat" cmpd="sng" algn="ctr">
+                      <a:solidFill>
+                        <a:srgbClr val="000000"/>
+                      </a:solidFill>
+                      <a:prstDash val="solid"/>
+                      <a:round/>
+                      <a:headEnd type="none" w="med" len="med"/>
+                      <a:tailEnd type="none" w="med" len="med"/>
+                    </a:lnT>
+                    <a:lnB w="9525" cap="flat" cmpd="sng" algn="ctr">
+                      <a:solidFill>
+                        <a:srgbClr val="000000"/>
+                      </a:solidFill>
+                      <a:prstDash val="solid"/>
+                      <a:round/>
+                      <a:headEnd type="none" w="med" len="med"/>
+                      <a:tailEnd type="none" w="med" len="med"/>
+                    </a:lnB>
+                    <a:solidFill>
+                      <a:srgbClr val="D4D4D4"/>
+                    </a:solidFill>
+                  </a:tcPr>
+                </a:tc>
+                <a:tc>
+                  <a:txBody>
+                    <a:bodyPr/>
+                    <a:lstStyle/>
+                    <a:p>
+                      <a:r>
+                        <a:rPr lang="en-GB" sz="1400">
+                          <a:solidFill>
+                            <a:srgbClr val="000000"/>
+                          </a:solidFill>
+                          <a:effectLst/>
+                          <a:latin typeface="+mn-lt"/>
+                        </a:rPr>
+                        <a:t>Ipad 9</a:t>
+                      </a:r>
+                      <a:endParaRPr lang="en-GB" sz="1400">
+                        <a:effectLst/>
+                        <a:latin typeface="+mn-lt"/>
+                      </a:endParaRPr>
+                    </a:p>
+                  </a:txBody>
+                  <a:tcPr marL="11524" marR="11524" marT="11524" marB="11524">
+                    <a:lnL w="9525" cap="flat" cmpd="sng" algn="ctr">
+                      <a:solidFill>
+                        <a:srgbClr val="000000"/>
+                      </a:solidFill>
+                      <a:prstDash val="solid"/>
+                      <a:round/>
+                      <a:headEnd type="none" w="med" len="med"/>
+                      <a:tailEnd type="none" w="med" len="med"/>
+                    </a:lnL>
+                    <a:lnR w="9525" cap="flat" cmpd="sng" algn="ctr">
+                      <a:solidFill>
+                        <a:srgbClr val="000000"/>
+                      </a:solidFill>
+                      <a:prstDash val="solid"/>
+                      <a:round/>
+                      <a:headEnd type="none" w="med" len="med"/>
+                      <a:tailEnd type="none" w="med" len="med"/>
+                    </a:lnR>
+                    <a:lnT w="9525" cap="flat" cmpd="sng" algn="ctr">
+                      <a:solidFill>
+                        <a:srgbClr val="000000"/>
+                      </a:solidFill>
+                      <a:prstDash val="solid"/>
+                      <a:round/>
+                      <a:headEnd type="none" w="med" len="med"/>
+                      <a:tailEnd type="none" w="med" len="med"/>
+                    </a:lnT>
+                    <a:lnB w="9525" cap="flat" cmpd="sng" algn="ctr">
+                      <a:solidFill>
+                        <a:srgbClr val="000000"/>
+                      </a:solidFill>
+                      <a:prstDash val="solid"/>
+                      <a:round/>
+                      <a:headEnd type="none" w="med" len="med"/>
+                      <a:tailEnd type="none" w="med" len="med"/>
+                    </a:lnB>
+                  </a:tcPr>
+                </a:tc>
+                <a:tc>
+                  <a:txBody>
+                    <a:bodyPr/>
+                    <a:lstStyle/>
+                    <a:p>
+                      <a:r>
+                        <a:rPr lang="en-ES" sz="1400">
+                          <a:solidFill>
+                            <a:srgbClr val="000000"/>
+                          </a:solidFill>
+                          <a:effectLst/>
+                          <a:latin typeface="+mn-lt"/>
+                        </a:rPr>
+                        <a:t>1200.99</a:t>
+                      </a:r>
+                      <a:endParaRPr lang="en-ES" sz="1400">
+                        <a:effectLst/>
+                        <a:latin typeface="+mn-lt"/>
+                      </a:endParaRPr>
+                    </a:p>
+                  </a:txBody>
+                  <a:tcPr marL="11524" marR="11524" marT="11524" marB="11524">
+                    <a:lnL w="9525" cap="flat" cmpd="sng" algn="ctr">
+                      <a:solidFill>
+                        <a:srgbClr val="000000"/>
+                      </a:solidFill>
+                      <a:prstDash val="solid"/>
+                      <a:round/>
+                      <a:headEnd type="none" w="med" len="med"/>
+                      <a:tailEnd type="none" w="med" len="med"/>
+                    </a:lnL>
+                    <a:lnR w="9525" cap="flat" cmpd="sng" algn="ctr">
+                      <a:solidFill>
+                        <a:srgbClr val="000000"/>
+                      </a:solidFill>
+                      <a:prstDash val="solid"/>
+                      <a:round/>
+                      <a:headEnd type="none" w="med" len="med"/>
+                      <a:tailEnd type="none" w="med" len="med"/>
+                    </a:lnR>
+                    <a:lnT w="9525" cap="flat" cmpd="sng" algn="ctr">
+                      <a:solidFill>
+                        <a:srgbClr val="000000"/>
+                      </a:solidFill>
+                      <a:prstDash val="solid"/>
+                      <a:round/>
+                      <a:headEnd type="none" w="med" len="med"/>
+                      <a:tailEnd type="none" w="med" len="med"/>
+                    </a:lnT>
+                    <a:lnB w="9525" cap="flat" cmpd="sng" algn="ctr">
+                      <a:solidFill>
+                        <a:srgbClr val="000000"/>
+                      </a:solidFill>
+                      <a:prstDash val="solid"/>
+                      <a:round/>
+                      <a:headEnd type="none" w="med" len="med"/>
+                      <a:tailEnd type="none" w="med" len="med"/>
+                    </a:lnB>
+                  </a:tcPr>
+                </a:tc>
+                <a:tc>
+                  <a:txBody>
+                    <a:bodyPr/>
+                    <a:lstStyle/>
+                    <a:p>
+                      <a:r>
+                        <a:rPr lang="en-GB" sz="1400" dirty="0">
+                          <a:solidFill>
+                            <a:srgbClr val="000000"/>
+                          </a:solidFill>
+                          <a:effectLst/>
+                          <a:latin typeface="+mn-lt"/>
+                        </a:rPr>
+                        <a:t>NULL</a:t>
+                      </a:r>
+                      <a:endParaRPr lang="en-GB" sz="1400" dirty="0">
+                        <a:effectLst/>
+                        <a:latin typeface="+mn-lt"/>
+                      </a:endParaRPr>
+                    </a:p>
+                  </a:txBody>
+                  <a:tcPr marL="11524" marR="11524" marT="11524" marB="11524">
+                    <a:lnL w="9525" cap="flat" cmpd="sng" algn="ctr">
+                      <a:solidFill>
+                        <a:srgbClr val="000000"/>
+                      </a:solidFill>
+                      <a:prstDash val="solid"/>
+                      <a:round/>
+                      <a:headEnd type="none" w="med" len="med"/>
+                      <a:tailEnd type="none" w="med" len="med"/>
+                    </a:lnL>
+                    <a:lnR w="9525" cap="flat" cmpd="sng" algn="ctr">
+                      <a:solidFill>
+                        <a:srgbClr val="000000"/>
+                      </a:solidFill>
+                      <a:prstDash val="solid"/>
+                      <a:round/>
+                      <a:headEnd type="none" w="med" len="med"/>
+                      <a:tailEnd type="none" w="med" len="med"/>
+                    </a:lnR>
+                    <a:lnT w="9525" cap="flat" cmpd="sng" algn="ctr">
+                      <a:solidFill>
+                        <a:srgbClr val="000000"/>
+                      </a:solidFill>
+                      <a:prstDash val="solid"/>
+                      <a:round/>
+                      <a:headEnd type="none" w="med" len="med"/>
+                      <a:tailEnd type="none" w="med" len="med"/>
+                    </a:lnT>
+                    <a:lnB w="9525" cap="flat" cmpd="sng" algn="ctr">
+                      <a:solidFill>
+                        <a:srgbClr val="000000"/>
+                      </a:solidFill>
+                      <a:prstDash val="solid"/>
+                      <a:round/>
+                      <a:headEnd type="none" w="med" len="med"/>
+                      <a:tailEnd type="none" w="med" len="med"/>
+                    </a:lnB>
+                  </a:tcPr>
+                </a:tc>
+                <a:extLst>
+                  <a:ext uri="{0D108BD9-81ED-4DB2-BD59-A6C34878D82A}">
+                    <a16:rowId xmlns:a16="http://schemas.microsoft.com/office/drawing/2014/main" val="1003028836"/>
+                  </a:ext>
+                </a:extLst>
+              </a:tr>
+              <a:tr h="266928">
+                <a:tc>
+                  <a:txBody>
+                    <a:bodyPr/>
+                    <a:lstStyle/>
+                    <a:p>
+                      <a:r>
+                        <a:rPr lang="en-ES" sz="1400" b="1">
+                          <a:solidFill>
+                            <a:srgbClr val="000000"/>
+                          </a:solidFill>
+                          <a:effectLst/>
+                          <a:latin typeface="+mn-lt"/>
+                        </a:rPr>
+                        <a:t>9</a:t>
+                      </a:r>
+                      <a:endParaRPr lang="en-ES" sz="1400">
+                        <a:effectLst/>
+                        <a:latin typeface="+mn-lt"/>
+                      </a:endParaRPr>
+                    </a:p>
+                  </a:txBody>
+                  <a:tcPr marL="11524" marR="11524" marT="11524" marB="11524">
+                    <a:lnL w="9525" cap="flat" cmpd="sng" algn="ctr">
+                      <a:solidFill>
+                        <a:srgbClr val="000000"/>
+                      </a:solidFill>
+                      <a:prstDash val="solid"/>
+                      <a:round/>
+                      <a:headEnd type="none" w="med" len="med"/>
+                      <a:tailEnd type="none" w="med" len="med"/>
+                    </a:lnL>
+                    <a:lnR w="9525" cap="flat" cmpd="sng" algn="ctr">
+                      <a:solidFill>
+                        <a:srgbClr val="000000"/>
+                      </a:solidFill>
+                      <a:prstDash val="solid"/>
+                      <a:round/>
+                      <a:headEnd type="none" w="med" len="med"/>
+                      <a:tailEnd type="none" w="med" len="med"/>
+                    </a:lnR>
+                    <a:lnT w="9525" cap="flat" cmpd="sng" algn="ctr">
+                      <a:solidFill>
+                        <a:srgbClr val="000000"/>
+                      </a:solidFill>
+                      <a:prstDash val="solid"/>
+                      <a:round/>
+                      <a:headEnd type="none" w="med" len="med"/>
+                      <a:tailEnd type="none" w="med" len="med"/>
+                    </a:lnT>
+                    <a:lnB w="9525" cap="flat" cmpd="sng" algn="ctr">
+                      <a:solidFill>
+                        <a:srgbClr val="000000"/>
+                      </a:solidFill>
+                      <a:prstDash val="solid"/>
+                      <a:round/>
+                      <a:headEnd type="none" w="med" len="med"/>
+                      <a:tailEnd type="none" w="med" len="med"/>
+                    </a:lnB>
+                    <a:solidFill>
+                      <a:srgbClr val="D4D4D4"/>
+                    </a:solidFill>
+                  </a:tcPr>
+                </a:tc>
+                <a:tc>
+                  <a:txBody>
+                    <a:bodyPr/>
+                    <a:lstStyle/>
+                    <a:p>
+                      <a:r>
+                        <a:rPr lang="en-GB" sz="1400">
+                          <a:solidFill>
+                            <a:srgbClr val="000000"/>
+                          </a:solidFill>
+                          <a:effectLst/>
+                          <a:latin typeface="+mn-lt"/>
+                        </a:rPr>
+                        <a:t>Aire Condicionador</a:t>
+                      </a:r>
+                      <a:endParaRPr lang="en-GB" sz="1400">
+                        <a:effectLst/>
+                        <a:latin typeface="+mn-lt"/>
+                      </a:endParaRPr>
+                    </a:p>
+                  </a:txBody>
+                  <a:tcPr marL="11524" marR="11524" marT="11524" marB="11524">
+                    <a:lnL w="9525" cap="flat" cmpd="sng" algn="ctr">
+                      <a:solidFill>
+                        <a:srgbClr val="000000"/>
+                      </a:solidFill>
+                      <a:prstDash val="solid"/>
+                      <a:round/>
+                      <a:headEnd type="none" w="med" len="med"/>
+                      <a:tailEnd type="none" w="med" len="med"/>
+                    </a:lnL>
+                    <a:lnR w="9525" cap="flat" cmpd="sng" algn="ctr">
+                      <a:solidFill>
+                        <a:srgbClr val="000000"/>
+                      </a:solidFill>
+                      <a:prstDash val="solid"/>
+                      <a:round/>
+                      <a:headEnd type="none" w="med" len="med"/>
+                      <a:tailEnd type="none" w="med" len="med"/>
+                    </a:lnR>
+                    <a:lnT w="9525" cap="flat" cmpd="sng" algn="ctr">
+                      <a:solidFill>
+                        <a:srgbClr val="000000"/>
+                      </a:solidFill>
+                      <a:prstDash val="solid"/>
+                      <a:round/>
+                      <a:headEnd type="none" w="med" len="med"/>
+                      <a:tailEnd type="none" w="med" len="med"/>
+                    </a:lnT>
+                    <a:lnB w="9525" cap="flat" cmpd="sng" algn="ctr">
+                      <a:solidFill>
+                        <a:srgbClr val="000000"/>
+                      </a:solidFill>
+                      <a:prstDash val="solid"/>
+                      <a:round/>
+                      <a:headEnd type="none" w="med" len="med"/>
+                      <a:tailEnd type="none" w="med" len="med"/>
+                    </a:lnB>
+                  </a:tcPr>
+                </a:tc>
+                <a:tc>
+                  <a:txBody>
+                    <a:bodyPr/>
+                    <a:lstStyle/>
+                    <a:p>
+                      <a:r>
+                        <a:rPr lang="en-ES" sz="1400">
+                          <a:solidFill>
+                            <a:srgbClr val="000000"/>
+                          </a:solidFill>
+                          <a:effectLst/>
+                          <a:latin typeface="+mn-lt"/>
+                        </a:rPr>
+                        <a:t>690.5</a:t>
+                      </a:r>
+                      <a:endParaRPr lang="en-ES" sz="1400">
+                        <a:effectLst/>
+                        <a:latin typeface="+mn-lt"/>
+                      </a:endParaRPr>
+                    </a:p>
+                  </a:txBody>
+                  <a:tcPr marL="11524" marR="11524" marT="11524" marB="11524">
+                    <a:lnL w="9525" cap="flat" cmpd="sng" algn="ctr">
+                      <a:solidFill>
+                        <a:srgbClr val="000000"/>
+                      </a:solidFill>
+                      <a:prstDash val="solid"/>
+                      <a:round/>
+                      <a:headEnd type="none" w="med" len="med"/>
+                      <a:tailEnd type="none" w="med" len="med"/>
+                    </a:lnL>
+                    <a:lnR w="9525" cap="flat" cmpd="sng" algn="ctr">
+                      <a:solidFill>
+                        <a:srgbClr val="000000"/>
+                      </a:solidFill>
+                      <a:prstDash val="solid"/>
+                      <a:round/>
+                      <a:headEnd type="none" w="med" len="med"/>
+                      <a:tailEnd type="none" w="med" len="med"/>
+                    </a:lnR>
+                    <a:lnT w="9525" cap="flat" cmpd="sng" algn="ctr">
+                      <a:solidFill>
+                        <a:srgbClr val="000000"/>
+                      </a:solidFill>
+                      <a:prstDash val="solid"/>
+                      <a:round/>
+                      <a:headEnd type="none" w="med" len="med"/>
+                      <a:tailEnd type="none" w="med" len="med"/>
+                    </a:lnT>
+                    <a:lnB w="9525" cap="flat" cmpd="sng" algn="ctr">
+                      <a:solidFill>
+                        <a:srgbClr val="000000"/>
+                      </a:solidFill>
+                      <a:prstDash val="solid"/>
+                      <a:round/>
+                      <a:headEnd type="none" w="med" len="med"/>
+                      <a:tailEnd type="none" w="med" len="med"/>
+                    </a:lnB>
+                  </a:tcPr>
+                </a:tc>
+                <a:tc>
+                  <a:txBody>
+                    <a:bodyPr/>
+                    <a:lstStyle/>
+                    <a:p>
+                      <a:r>
+                        <a:rPr lang="en-GB" sz="1400" dirty="0">
+                          <a:solidFill>
+                            <a:srgbClr val="000000"/>
+                          </a:solidFill>
+                          <a:effectLst/>
+                          <a:latin typeface="+mn-lt"/>
+                        </a:rPr>
+                        <a:t>NULL</a:t>
+                      </a:r>
+                      <a:endParaRPr lang="en-GB" sz="1400" dirty="0">
+                        <a:effectLst/>
+                        <a:latin typeface="+mn-lt"/>
+                      </a:endParaRPr>
+                    </a:p>
+                  </a:txBody>
+                  <a:tcPr marL="11524" marR="11524" marT="11524" marB="11524">
+                    <a:lnL w="9525" cap="flat" cmpd="sng" algn="ctr">
+                      <a:solidFill>
+                        <a:srgbClr val="000000"/>
+                      </a:solidFill>
+                      <a:prstDash val="solid"/>
+                      <a:round/>
+                      <a:headEnd type="none" w="med" len="med"/>
+                      <a:tailEnd type="none" w="med" len="med"/>
+                    </a:lnL>
+                    <a:lnR w="9525" cap="flat" cmpd="sng" algn="ctr">
+                      <a:solidFill>
+                        <a:srgbClr val="000000"/>
+                      </a:solidFill>
+                      <a:prstDash val="solid"/>
+                      <a:round/>
+                      <a:headEnd type="none" w="med" len="med"/>
+                      <a:tailEnd type="none" w="med" len="med"/>
+                    </a:lnR>
+                    <a:lnT w="9525" cap="flat" cmpd="sng" algn="ctr">
+                      <a:solidFill>
+                        <a:srgbClr val="000000"/>
+                      </a:solidFill>
+                      <a:prstDash val="solid"/>
+                      <a:round/>
+                      <a:headEnd type="none" w="med" len="med"/>
+                      <a:tailEnd type="none" w="med" len="med"/>
+                    </a:lnT>
+                    <a:lnB w="9525" cap="flat" cmpd="sng" algn="ctr">
+                      <a:solidFill>
+                        <a:srgbClr val="000000"/>
+                      </a:solidFill>
+                      <a:prstDash val="solid"/>
+                      <a:round/>
+                      <a:headEnd type="none" w="med" len="med"/>
+                      <a:tailEnd type="none" w="med" len="med"/>
+                    </a:lnB>
+                  </a:tcPr>
+                </a:tc>
+                <a:extLst>
+                  <a:ext uri="{0D108BD9-81ED-4DB2-BD59-A6C34878D82A}">
+                    <a16:rowId xmlns:a16="http://schemas.microsoft.com/office/drawing/2014/main" val="270742385"/>
+                  </a:ext>
+                </a:extLst>
+              </a:tr>
+            </a:tbl>
+          </a:graphicData>
+        </a:graphic>
+      </p:graphicFrame>
+    </p:spTree>
+    <p:extLst>
+      <p:ext uri="{BB962C8B-B14F-4D97-AF65-F5344CB8AC3E}">
+        <p14:creationId xmlns:p14="http://schemas.microsoft.com/office/powerpoint/2010/main" val="1650705494"/>
+      </p:ext>
+    </p:extLst>
+  </p:cSld>
+  <p:clrMapOvr>
+    <a:masterClrMapping/>
+  </p:clrMapOvr>
+</p:sld>
+</file>
+
+<file path=ppt/slides/slide12.xml><?xml version="1.0" encoding="utf-8"?>
+<p:sld xmlns:a="http://schemas.openxmlformats.org/drawingml/2006/main" xmlns:r="http://schemas.openxmlformats.org/officeDocument/2006/relationships" xmlns:p="http://schemas.openxmlformats.org/presentationml/2006/main">
+  <p:cSld>
+    <p:spTree>
+      <p:nvGrpSpPr>
+        <p:cNvPr id="1" name=""/>
+        <p:cNvGrpSpPr/>
+        <p:nvPr/>
+      </p:nvGrpSpPr>
+      <p:grpSpPr>
+        <a:xfrm>
+          <a:off x="0" y="0"/>
+          <a:ext cx="0" cy="0"/>
+          <a:chOff x="0" y="0"/>
+          <a:chExt cx="0" cy="0"/>
+        </a:xfrm>
+      </p:grpSpPr>
+      <p:sp>
+        <p:nvSpPr>
+          <p:cNvPr id="2" name="Title 1">
+            <a:extLst>
+              <a:ext uri="{FF2B5EF4-FFF2-40B4-BE49-F238E27FC236}">
                 <a16:creationId xmlns:a16="http://schemas.microsoft.com/office/drawing/2014/main" id="{CEC3CECC-F429-B1E9-4150-F5E7F145B64A}"/>
               </a:ext>
             </a:extLst>
@@ -8690,7 +12980,7 @@
 </p:sld>
 </file>
 
-<file path=ppt/slides/slide12.xml><?xml version="1.0" encoding="utf-8"?>
+<file path=ppt/slides/slide13.xml><?xml version="1.0" encoding="utf-8"?>
 <p:sld xmlns:a="http://schemas.openxmlformats.org/drawingml/2006/main" xmlns:r="http://schemas.openxmlformats.org/officeDocument/2006/relationships" xmlns:p="http://schemas.openxmlformats.org/presentationml/2006/main">
   <p:cSld>
     <p:spTree>
